--- a/개발환경_1Q_ON_Framework.pptx
+++ b/개발환경_1Q_ON_Framework.pptx
@@ -5,10 +5,11 @@
     <p:sldMasterId id="2147483648" r:id="rId1"/>
   </p:sldMasterIdLst>
   <p:notesMasterIdLst>
-    <p:notesMasterId r:id="rId3"/>
+    <p:notesMasterId r:id="rId4"/>
   </p:notesMasterIdLst>
   <p:sldIdLst>
     <p:sldId id="276" r:id="rId2"/>
+    <p:sldId id="277" r:id="rId3"/>
   </p:sldIdLst>
   <p:sldSz cx="9144000" cy="6858000" type="screen4x3"/>
   <p:notesSz cx="6797675" cy="9926638"/>
@@ -209,7 +210,7 @@
             <a:fld id="{C66DC1C4-6270-41AE-A3B4-E9D2FF8C846C}" type="datetimeFigureOut">
               <a:rPr lang="ko-KR" altLang="en-US" smtClean="0"/>
               <a:pPr/>
-              <a:t>2021-03-16</a:t>
+              <a:t>2021-08-23</a:t>
             </a:fld>
             <a:endParaRPr lang="ko-KR" altLang="en-US"/>
           </a:p>
@@ -562,6 +563,93 @@
 </p:notes>
 </file>
 
+<file path=ppt/notesSlides/notesSlide2.xml><?xml version="1.0" encoding="utf-8"?>
+<p:notes xmlns:a="http://schemas.openxmlformats.org/drawingml/2006/main" xmlns:r="http://schemas.openxmlformats.org/officeDocument/2006/relationships" xmlns:p="http://schemas.openxmlformats.org/presentationml/2006/main">
+  <p:cSld>
+    <p:spTree>
+      <p:nvGrpSpPr>
+        <p:cNvPr id="1" name=""/>
+        <p:cNvGrpSpPr/>
+        <p:nvPr/>
+      </p:nvGrpSpPr>
+      <p:grpSpPr>
+        <a:xfrm>
+          <a:off x="0" y="0"/>
+          <a:ext cx="0" cy="0"/>
+          <a:chOff x="0" y="0"/>
+          <a:chExt cx="0" cy="0"/>
+        </a:xfrm>
+      </p:grpSpPr>
+      <p:sp>
+        <p:nvSpPr>
+          <p:cNvPr id="2" name="슬라이드 이미지 개체 틀 1"/>
+          <p:cNvSpPr>
+            <a:spLocks noGrp="1" noRot="1" noChangeAspect="1"/>
+          </p:cNvSpPr>
+          <p:nvPr>
+            <p:ph type="sldImg"/>
+          </p:nvPr>
+        </p:nvSpPr>
+        <p:spPr/>
+      </p:sp>
+      <p:sp>
+        <p:nvSpPr>
+          <p:cNvPr id="3" name="슬라이드 노트 개체 틀 2"/>
+          <p:cNvSpPr>
+            <a:spLocks noGrp="1"/>
+          </p:cNvSpPr>
+          <p:nvPr>
+            <p:ph type="body" idx="1"/>
+          </p:nvPr>
+        </p:nvSpPr>
+        <p:spPr/>
+        <p:txBody>
+          <a:bodyPr>
+            <a:normAutofit/>
+          </a:bodyPr>
+          <a:lstStyle/>
+          <a:p>
+            <a:endParaRPr lang="ko-KR" altLang="en-US" dirty="0"/>
+          </a:p>
+        </p:txBody>
+      </p:sp>
+      <p:sp>
+        <p:nvSpPr>
+          <p:cNvPr id="4" name="슬라이드 번호 개체 틀 3"/>
+          <p:cNvSpPr>
+            <a:spLocks noGrp="1"/>
+          </p:cNvSpPr>
+          <p:nvPr>
+            <p:ph type="sldNum" sz="quarter" idx="10"/>
+          </p:nvPr>
+        </p:nvSpPr>
+        <p:spPr/>
+        <p:txBody>
+          <a:bodyPr/>
+          <a:lstStyle/>
+          <a:p>
+            <a:fld id="{E5385C58-A9F4-4804-8856-1C560C54D3A4}" type="slidenum">
+              <a:rPr lang="ko-KR" altLang="en-US" smtClean="0"/>
+              <a:pPr/>
+              <a:t>2</a:t>
+            </a:fld>
+            <a:endParaRPr lang="ko-KR" altLang="en-US"/>
+          </a:p>
+        </p:txBody>
+      </p:sp>
+    </p:spTree>
+    <p:extLst>
+      <p:ext uri="{BB962C8B-B14F-4D97-AF65-F5344CB8AC3E}">
+        <p14:creationId xmlns:p14="http://schemas.microsoft.com/office/powerpoint/2010/main" val="2513978493"/>
+      </p:ext>
+    </p:extLst>
+  </p:cSld>
+  <p:clrMapOvr>
+    <a:masterClrMapping/>
+  </p:clrMapOvr>
+</p:notes>
+</file>
+
 <file path=ppt/slideLayouts/slideLayout1.xml><?xml version="1.0" encoding="utf-8"?>
 <p:sldLayout xmlns:a="http://schemas.openxmlformats.org/drawingml/2006/main" xmlns:r="http://schemas.openxmlformats.org/officeDocument/2006/relationships" xmlns:p="http://schemas.openxmlformats.org/presentationml/2006/main" type="title" preserve="1">
   <p:cSld name="제목 슬라이드">
@@ -744,7 +832,7 @@
             <a:fld id="{FD3616CC-6BEB-4A7D-B8C1-AFA6F030DD43}" type="datetimeFigureOut">
               <a:rPr lang="ko-KR" altLang="en-US" smtClean="0"/>
               <a:pPr/>
-              <a:t>2021-03-16</a:t>
+              <a:t>2021-08-23</a:t>
             </a:fld>
             <a:endParaRPr lang="ko-KR" altLang="en-US"/>
           </a:p>
@@ -911,7 +999,7 @@
             <a:fld id="{FD3616CC-6BEB-4A7D-B8C1-AFA6F030DD43}" type="datetimeFigureOut">
               <a:rPr lang="ko-KR" altLang="en-US" smtClean="0"/>
               <a:pPr/>
-              <a:t>2021-03-16</a:t>
+              <a:t>2021-08-23</a:t>
             </a:fld>
             <a:endParaRPr lang="ko-KR" altLang="en-US"/>
           </a:p>
@@ -1088,7 +1176,7 @@
             <a:fld id="{FD3616CC-6BEB-4A7D-B8C1-AFA6F030DD43}" type="datetimeFigureOut">
               <a:rPr lang="ko-KR" altLang="en-US" smtClean="0"/>
               <a:pPr/>
-              <a:t>2021-03-16</a:t>
+              <a:t>2021-08-23</a:t>
             </a:fld>
             <a:endParaRPr lang="ko-KR" altLang="en-US"/>
           </a:p>
@@ -1255,7 +1343,7 @@
             <a:fld id="{FD3616CC-6BEB-4A7D-B8C1-AFA6F030DD43}" type="datetimeFigureOut">
               <a:rPr lang="ko-KR" altLang="en-US" smtClean="0"/>
               <a:pPr/>
-              <a:t>2021-03-16</a:t>
+              <a:t>2021-08-23</a:t>
             </a:fld>
             <a:endParaRPr lang="ko-KR" altLang="en-US"/>
           </a:p>
@@ -1498,7 +1586,7 @@
             <a:fld id="{FD3616CC-6BEB-4A7D-B8C1-AFA6F030DD43}" type="datetimeFigureOut">
               <a:rPr lang="ko-KR" altLang="en-US" smtClean="0"/>
               <a:pPr/>
-              <a:t>2021-03-16</a:t>
+              <a:t>2021-08-23</a:t>
             </a:fld>
             <a:endParaRPr lang="ko-KR" altLang="en-US"/>
           </a:p>
@@ -1783,7 +1871,7 @@
             <a:fld id="{FD3616CC-6BEB-4A7D-B8C1-AFA6F030DD43}" type="datetimeFigureOut">
               <a:rPr lang="ko-KR" altLang="en-US" smtClean="0"/>
               <a:pPr/>
-              <a:t>2021-03-16</a:t>
+              <a:t>2021-08-23</a:t>
             </a:fld>
             <a:endParaRPr lang="ko-KR" altLang="en-US"/>
           </a:p>
@@ -2202,7 +2290,7 @@
             <a:fld id="{FD3616CC-6BEB-4A7D-B8C1-AFA6F030DD43}" type="datetimeFigureOut">
               <a:rPr lang="ko-KR" altLang="en-US" smtClean="0"/>
               <a:pPr/>
-              <a:t>2021-03-16</a:t>
+              <a:t>2021-08-23</a:t>
             </a:fld>
             <a:endParaRPr lang="ko-KR" altLang="en-US"/>
           </a:p>
@@ -2317,7 +2405,7 @@
             <a:fld id="{FD3616CC-6BEB-4A7D-B8C1-AFA6F030DD43}" type="datetimeFigureOut">
               <a:rPr lang="ko-KR" altLang="en-US" smtClean="0"/>
               <a:pPr/>
-              <a:t>2021-03-16</a:t>
+              <a:t>2021-08-23</a:t>
             </a:fld>
             <a:endParaRPr lang="ko-KR" altLang="en-US"/>
           </a:p>
@@ -2409,7 +2497,7 @@
             <a:fld id="{FD3616CC-6BEB-4A7D-B8C1-AFA6F030DD43}" type="datetimeFigureOut">
               <a:rPr lang="ko-KR" altLang="en-US" smtClean="0"/>
               <a:pPr/>
-              <a:t>2021-03-16</a:t>
+              <a:t>2021-08-23</a:t>
             </a:fld>
             <a:endParaRPr lang="ko-KR" altLang="en-US"/>
           </a:p>
@@ -2683,7 +2771,7 @@
             <a:fld id="{FD3616CC-6BEB-4A7D-B8C1-AFA6F030DD43}" type="datetimeFigureOut">
               <a:rPr lang="ko-KR" altLang="en-US" smtClean="0"/>
               <a:pPr/>
-              <a:t>2021-03-16</a:t>
+              <a:t>2021-08-23</a:t>
             </a:fld>
             <a:endParaRPr lang="ko-KR" altLang="en-US"/>
           </a:p>
@@ -2933,7 +3021,7 @@
             <a:fld id="{FD3616CC-6BEB-4A7D-B8C1-AFA6F030DD43}" type="datetimeFigureOut">
               <a:rPr lang="ko-KR" altLang="en-US" smtClean="0"/>
               <a:pPr/>
-              <a:t>2021-03-16</a:t>
+              <a:t>2021-08-23</a:t>
             </a:fld>
             <a:endParaRPr lang="ko-KR" altLang="en-US"/>
           </a:p>
@@ -3143,7 +3231,7 @@
             <a:fld id="{FD3616CC-6BEB-4A7D-B8C1-AFA6F030DD43}" type="datetimeFigureOut">
               <a:rPr lang="ko-KR" altLang="en-US" smtClean="0"/>
               <a:pPr/>
-              <a:t>2021-03-16</a:t>
+              <a:t>2021-08-23</a:t>
             </a:fld>
             <a:endParaRPr lang="ko-KR" altLang="en-US"/>
           </a:p>
@@ -3768,13 +3856,6 @@
               </a:rPr>
               <a:t> 6 (UI/UX Framework)</a:t>
             </a:r>
-            <a:endParaRPr lang="en-US" altLang="ko-KR" sz="1400" dirty="0" smtClean="0">
-              <a:solidFill>
-                <a:srgbClr val="0000FF"/>
-              </a:solidFill>
-              <a:latin typeface="하나 M" panose="02020603020101020101" pitchFamily="18" charset="-127"/>
-              <a:ea typeface="하나 M" panose="02020603020101020101" pitchFamily="18" charset="-127"/>
-            </a:endParaRPr>
           </a:p>
           <a:p>
             <a:pPr marL="466090" indent="-285750">
@@ -3817,13 +3898,6 @@
               </a:rPr>
               <a:t>)</a:t>
             </a:r>
-            <a:endParaRPr lang="en-US" altLang="ko-KR" sz="1400" dirty="0" smtClean="0">
-              <a:solidFill>
-                <a:srgbClr val="0000FF"/>
-              </a:solidFill>
-              <a:latin typeface="하나 M" panose="02020603020101020101" pitchFamily="18" charset="-127"/>
-              <a:ea typeface="하나 M" panose="02020603020101020101" pitchFamily="18" charset="-127"/>
-            </a:endParaRPr>
           </a:p>
           <a:p>
             <a:pPr marL="180340">
@@ -5597,6 +5671,2084 @@
     <p:extLst>
       <p:ext uri="{BB962C8B-B14F-4D97-AF65-F5344CB8AC3E}">
         <p14:creationId xmlns:p14="http://schemas.microsoft.com/office/powerpoint/2010/main" val="2352157326"/>
+      </p:ext>
+    </p:extLst>
+  </p:cSld>
+  <p:clrMapOvr>
+    <a:masterClrMapping/>
+  </p:clrMapOvr>
+  <p:timing>
+    <p:tnLst>
+      <p:par>
+        <p:cTn id="1" dur="indefinite" restart="never" nodeType="tmRoot"/>
+      </p:par>
+    </p:tnLst>
+  </p:timing>
+</p:sld>
+</file>
+
+<file path=ppt/slides/slide2.xml><?xml version="1.0" encoding="utf-8"?>
+<p:sld xmlns:a="http://schemas.openxmlformats.org/drawingml/2006/main" xmlns:r="http://schemas.openxmlformats.org/officeDocument/2006/relationships" xmlns:p="http://schemas.openxmlformats.org/presentationml/2006/main">
+  <p:cSld>
+    <p:spTree>
+      <p:nvGrpSpPr>
+        <p:cNvPr id="1" name=""/>
+        <p:cNvGrpSpPr/>
+        <p:nvPr/>
+      </p:nvGrpSpPr>
+      <p:grpSpPr>
+        <a:xfrm>
+          <a:off x="0" y="0"/>
+          <a:ext cx="0" cy="0"/>
+          <a:chOff x="0" y="0"/>
+          <a:chExt cx="0" cy="0"/>
+        </a:xfrm>
+      </p:grpSpPr>
+      <p:sp>
+        <p:nvSpPr>
+          <p:cNvPr id="4" name="직사각형 3"/>
+          <p:cNvSpPr/>
+          <p:nvPr/>
+        </p:nvSpPr>
+        <p:spPr>
+          <a:xfrm>
+            <a:off x="0" y="-27384"/>
+            <a:ext cx="9144000" cy="699843"/>
+          </a:xfrm>
+          <a:prstGeom prst="rect">
+            <a:avLst/>
+          </a:prstGeom>
+          <a:solidFill>
+            <a:schemeClr val="accent5">
+              <a:lumMod val="50000"/>
+            </a:schemeClr>
+          </a:solidFill>
+          <a:ln>
+            <a:noFill/>
+          </a:ln>
+        </p:spPr>
+        <p:style>
+          <a:lnRef idx="2">
+            <a:schemeClr val="accent1">
+              <a:shade val="50000"/>
+            </a:schemeClr>
+          </a:lnRef>
+          <a:fillRef idx="1">
+            <a:schemeClr val="accent1"/>
+          </a:fillRef>
+          <a:effectRef idx="0">
+            <a:schemeClr val="accent1"/>
+          </a:effectRef>
+          <a:fontRef idx="minor">
+            <a:schemeClr val="lt1"/>
+          </a:fontRef>
+        </p:style>
+        <p:txBody>
+          <a:bodyPr rtlCol="0" anchor="ctr"/>
+          <a:lstStyle/>
+          <a:p>
+            <a:pPr algn="ctr"/>
+            <a:endParaRPr lang="ko-KR" altLang="en-US"/>
+          </a:p>
+        </p:txBody>
+      </p:sp>
+      <p:sp>
+        <p:nvSpPr>
+          <p:cNvPr id="5" name="제목 1"/>
+          <p:cNvSpPr>
+            <a:spLocks noGrp="1"/>
+          </p:cNvSpPr>
+          <p:nvPr>
+            <p:ph type="title"/>
+          </p:nvPr>
+        </p:nvSpPr>
+        <p:spPr>
+          <a:xfrm>
+            <a:off x="457200" y="-27384"/>
+            <a:ext cx="8229600" cy="699843"/>
+          </a:xfrm>
+        </p:spPr>
+        <p:txBody>
+          <a:bodyPr>
+            <a:normAutofit/>
+          </a:bodyPr>
+          <a:lstStyle/>
+          <a:p>
+            <a:pPr algn="l"/>
+            <a:r>
+              <a:rPr lang="en-US" altLang="ko-KR" sz="2400" dirty="0" smtClean="0">
+                <a:solidFill>
+                  <a:schemeClr val="bg1"/>
+                </a:solidFill>
+                <a:latin typeface="하나 CM" pitchFamily="18" charset="-127"/>
+                <a:ea typeface="하나 CM" pitchFamily="18" charset="-127"/>
+              </a:rPr>
+              <a:t>1Q </a:t>
+            </a:r>
+            <a:r>
+              <a:rPr lang="en-US" altLang="ko-KR" sz="2400" dirty="0" err="1" smtClean="0">
+                <a:solidFill>
+                  <a:schemeClr val="bg1"/>
+                </a:solidFill>
+                <a:latin typeface="하나 CM" pitchFamily="18" charset="-127"/>
+                <a:ea typeface="하나 CM" pitchFamily="18" charset="-127"/>
+              </a:rPr>
+              <a:t>ON</a:t>
+            </a:r>
+            <a:r>
+              <a:rPr lang="en-US" altLang="ko-KR" sz="2400" dirty="0" err="1">
+                <a:solidFill>
+                  <a:schemeClr val="bg1"/>
+                </a:solidFill>
+                <a:latin typeface="하나 CM" pitchFamily="18" charset="-127"/>
+                <a:ea typeface="하나 CM" pitchFamily="18" charset="-127"/>
+              </a:rPr>
+              <a:t>:</a:t>
+            </a:r>
+            <a:r>
+              <a:rPr lang="en-US" altLang="ko-KR" sz="2400" dirty="0" err="1" smtClean="0">
+                <a:solidFill>
+                  <a:schemeClr val="bg1"/>
+                </a:solidFill>
+                <a:latin typeface="하나 CM" pitchFamily="18" charset="-127"/>
+                <a:ea typeface="하나 CM" pitchFamily="18" charset="-127"/>
+              </a:rPr>
+              <a:t>Framework</a:t>
+            </a:r>
+            <a:endParaRPr lang="ko-KR" altLang="en-US" sz="2400" dirty="0">
+              <a:solidFill>
+                <a:schemeClr val="bg1"/>
+              </a:solidFill>
+              <a:latin typeface="하나 CM" pitchFamily="18" charset="-127"/>
+              <a:ea typeface="하나 CM" pitchFamily="18" charset="-127"/>
+            </a:endParaRPr>
+          </a:p>
+        </p:txBody>
+      </p:sp>
+      <p:sp>
+        <p:nvSpPr>
+          <p:cNvPr id="6" name="직사각형 5"/>
+          <p:cNvSpPr/>
+          <p:nvPr/>
+        </p:nvSpPr>
+        <p:spPr>
+          <a:xfrm>
+            <a:off x="36512" y="4846801"/>
+            <a:ext cx="9144000" cy="1538883"/>
+          </a:xfrm>
+          <a:prstGeom prst="rect">
+            <a:avLst/>
+          </a:prstGeom>
+        </p:spPr>
+        <p:txBody>
+          <a:bodyPr wrap="square">
+            <a:spAutoFit/>
+          </a:bodyPr>
+          <a:lstStyle/>
+          <a:p>
+            <a:pPr marL="342900" lvl="0" indent="-342900">
+              <a:spcBef>
+                <a:spcPts val="300"/>
+              </a:spcBef>
+              <a:spcAft>
+                <a:spcPts val="300"/>
+              </a:spcAft>
+              <a:buFont typeface="Wingdings" panose="05000000000000000000" pitchFamily="2" charset="2"/>
+              <a:buChar char="q"/>
+            </a:pPr>
+            <a:r>
+              <a:rPr lang="ko-KR" altLang="en-US" b="1" dirty="0" smtClean="0">
+                <a:latin typeface="하나 M" panose="02020603020101020101" pitchFamily="18" charset="-127"/>
+                <a:ea typeface="하나 M" panose="02020603020101020101" pitchFamily="18" charset="-127"/>
+              </a:rPr>
+              <a:t>세부 스펙</a:t>
+            </a:r>
+            <a:endParaRPr lang="en-US" altLang="ko-KR" b="1" dirty="0" smtClean="0">
+              <a:latin typeface="하나 M" panose="02020603020101020101" pitchFamily="18" charset="-127"/>
+              <a:ea typeface="하나 M" panose="02020603020101020101" pitchFamily="18" charset="-127"/>
+            </a:endParaRPr>
+          </a:p>
+          <a:p>
+            <a:pPr marL="466090" indent="-285750">
+              <a:spcBef>
+                <a:spcPts val="300"/>
+              </a:spcBef>
+              <a:spcAft>
+                <a:spcPts val="300"/>
+              </a:spcAft>
+              <a:buFontTx/>
+              <a:buChar char="-"/>
+            </a:pPr>
+            <a:r>
+              <a:rPr lang="en-US" altLang="ko-KR" sz="1400" dirty="0" smtClean="0">
+                <a:solidFill>
+                  <a:srgbClr val="0000FF"/>
+                </a:solidFill>
+                <a:latin typeface="하나 M" panose="02020603020101020101" pitchFamily="18" charset="-127"/>
+                <a:ea typeface="하나 M" panose="02020603020101020101" pitchFamily="18" charset="-127"/>
+              </a:rPr>
+              <a:t>Cent OS 7 / Docker 19.3 / Spring boot 2.3 / </a:t>
+            </a:r>
+            <a:r>
+              <a:rPr lang="en-US" altLang="ko-KR" sz="1400" dirty="0" err="1" smtClean="0">
+                <a:solidFill>
+                  <a:srgbClr val="0000FF"/>
+                </a:solidFill>
+                <a:latin typeface="하나 M" panose="02020603020101020101" pitchFamily="18" charset="-127"/>
+                <a:ea typeface="하나 M" panose="02020603020101020101" pitchFamily="18" charset="-127"/>
+              </a:rPr>
+              <a:t>NginX</a:t>
+            </a:r>
+            <a:r>
+              <a:rPr lang="en-US" altLang="ko-KR" sz="1400" dirty="0" smtClean="0">
+                <a:solidFill>
+                  <a:srgbClr val="0000FF"/>
+                </a:solidFill>
+                <a:latin typeface="하나 M" panose="02020603020101020101" pitchFamily="18" charset="-127"/>
+                <a:ea typeface="하나 M" panose="02020603020101020101" pitchFamily="18" charset="-127"/>
+              </a:rPr>
+              <a:t> 1.19 </a:t>
+            </a:r>
+            <a:r>
+              <a:rPr lang="en-US" altLang="ko-KR" sz="1400" dirty="0" err="1" smtClean="0">
+                <a:solidFill>
+                  <a:srgbClr val="0000FF"/>
+                </a:solidFill>
+                <a:latin typeface="하나 M" panose="02020603020101020101" pitchFamily="18" charset="-127"/>
+                <a:ea typeface="하나 M" panose="02020603020101020101" pitchFamily="18" charset="-127"/>
+              </a:rPr>
+              <a:t>ver</a:t>
+            </a:r>
+            <a:endParaRPr lang="en-US" altLang="ko-KR" sz="1400" dirty="0" smtClean="0">
+              <a:solidFill>
+                <a:srgbClr val="0000FF"/>
+              </a:solidFill>
+              <a:latin typeface="하나 M" panose="02020603020101020101" pitchFamily="18" charset="-127"/>
+              <a:ea typeface="하나 M" panose="02020603020101020101" pitchFamily="18" charset="-127"/>
+            </a:endParaRPr>
+          </a:p>
+          <a:p>
+            <a:pPr marL="466090" indent="-285750">
+              <a:spcBef>
+                <a:spcPts val="300"/>
+              </a:spcBef>
+              <a:spcAft>
+                <a:spcPts val="300"/>
+              </a:spcAft>
+              <a:buFontTx/>
+              <a:buChar char="-"/>
+            </a:pPr>
+            <a:r>
+              <a:rPr lang="en-US" altLang="ko-KR" sz="1400" dirty="0" err="1" smtClean="0">
+                <a:solidFill>
+                  <a:srgbClr val="0000FF"/>
+                </a:solidFill>
+                <a:latin typeface="하나 M" panose="02020603020101020101" pitchFamily="18" charset="-127"/>
+                <a:ea typeface="하나 M" panose="02020603020101020101" pitchFamily="18" charset="-127"/>
+              </a:rPr>
+              <a:t>eXbuilder</a:t>
+            </a:r>
+            <a:r>
+              <a:rPr lang="en-US" altLang="ko-KR" sz="1400" dirty="0" smtClean="0">
+                <a:solidFill>
+                  <a:srgbClr val="0000FF"/>
+                </a:solidFill>
+                <a:latin typeface="하나 M" panose="02020603020101020101" pitchFamily="18" charset="-127"/>
+                <a:ea typeface="하나 M" panose="02020603020101020101" pitchFamily="18" charset="-127"/>
+              </a:rPr>
+              <a:t> 6 (UI/UX Framework)</a:t>
+            </a:r>
+          </a:p>
+          <a:p>
+            <a:pPr marL="466090" indent="-285750">
+              <a:spcBef>
+                <a:spcPts val="300"/>
+              </a:spcBef>
+              <a:spcAft>
+                <a:spcPts val="300"/>
+              </a:spcAft>
+              <a:buFontTx/>
+              <a:buChar char="-"/>
+            </a:pPr>
+            <a:r>
+              <a:rPr lang="en-US" altLang="ko-KR" sz="1400" dirty="0" smtClean="0">
+                <a:solidFill>
+                  <a:srgbClr val="0000FF"/>
+                </a:solidFill>
+                <a:latin typeface="하나 M" panose="02020603020101020101" pitchFamily="18" charset="-127"/>
+                <a:ea typeface="하나 M" panose="02020603020101020101" pitchFamily="18" charset="-127"/>
+              </a:rPr>
+              <a:t>Any DB (Oracle, Maria DB, My SQL </a:t>
+            </a:r>
+            <a:r>
+              <a:rPr lang="ko-KR" altLang="en-US" sz="1400" dirty="0" smtClean="0">
+                <a:solidFill>
+                  <a:srgbClr val="0000FF"/>
+                </a:solidFill>
+                <a:latin typeface="하나 M" panose="02020603020101020101" pitchFamily="18" charset="-127"/>
+                <a:ea typeface="하나 M" panose="02020603020101020101" pitchFamily="18" charset="-127"/>
+              </a:rPr>
+              <a:t>등</a:t>
+            </a:r>
+            <a:r>
+              <a:rPr lang="en-US" altLang="ko-KR" sz="1400" dirty="0" smtClean="0">
+                <a:solidFill>
+                  <a:srgbClr val="0000FF"/>
+                </a:solidFill>
+                <a:latin typeface="하나 M" panose="02020603020101020101" pitchFamily="18" charset="-127"/>
+                <a:ea typeface="하나 M" panose="02020603020101020101" pitchFamily="18" charset="-127"/>
+              </a:rPr>
+              <a:t>)</a:t>
+            </a:r>
+          </a:p>
+          <a:p>
+            <a:pPr marL="180340">
+              <a:spcBef>
+                <a:spcPts val="300"/>
+              </a:spcBef>
+              <a:spcAft>
+                <a:spcPts val="300"/>
+              </a:spcAft>
+            </a:pPr>
+            <a:r>
+              <a:rPr lang="en-US" altLang="ko-KR" sz="1400" dirty="0">
+                <a:latin typeface="하나 M" panose="02020603020101020101" pitchFamily="18" charset="-127"/>
+                <a:ea typeface="하나 M" panose="02020603020101020101" pitchFamily="18" charset="-127"/>
+              </a:rPr>
+              <a:t> </a:t>
+            </a:r>
+            <a:r>
+              <a:rPr lang="en-US" altLang="ko-KR" sz="1400" dirty="0" smtClean="0">
+                <a:latin typeface="하나 M" panose="02020603020101020101" pitchFamily="18" charset="-127"/>
+                <a:ea typeface="하나 M" panose="02020603020101020101" pitchFamily="18" charset="-127"/>
+              </a:rPr>
+              <a:t>    </a:t>
+            </a:r>
+          </a:p>
+        </p:txBody>
+      </p:sp>
+      <p:sp>
+        <p:nvSpPr>
+          <p:cNvPr id="7" name="직사각형 6"/>
+          <p:cNvSpPr/>
+          <p:nvPr/>
+        </p:nvSpPr>
+        <p:spPr>
+          <a:xfrm>
+            <a:off x="36212" y="827093"/>
+            <a:ext cx="9107488" cy="1538883"/>
+          </a:xfrm>
+          <a:prstGeom prst="rect">
+            <a:avLst/>
+          </a:prstGeom>
+        </p:spPr>
+        <p:txBody>
+          <a:bodyPr wrap="square">
+            <a:spAutoFit/>
+          </a:bodyPr>
+          <a:lstStyle/>
+          <a:p>
+            <a:pPr marL="342900" lvl="0" indent="-342900">
+              <a:spcBef>
+                <a:spcPts val="300"/>
+              </a:spcBef>
+              <a:spcAft>
+                <a:spcPts val="300"/>
+              </a:spcAft>
+              <a:buFont typeface="Wingdings" panose="05000000000000000000" pitchFamily="2" charset="2"/>
+              <a:buChar char="q"/>
+            </a:pPr>
+            <a:r>
+              <a:rPr lang="en-US" altLang="ko-KR" b="1" dirty="0" smtClean="0">
+                <a:latin typeface="하나 M" panose="02020603020101020101" pitchFamily="18" charset="-127"/>
+                <a:ea typeface="하나 M" panose="02020603020101020101" pitchFamily="18" charset="-127"/>
+              </a:rPr>
+              <a:t>1Q </a:t>
+            </a:r>
+            <a:r>
+              <a:rPr lang="en-US" altLang="ko-KR" b="1" dirty="0" err="1" smtClean="0">
+                <a:latin typeface="하나 M" panose="02020603020101020101" pitchFamily="18" charset="-127"/>
+                <a:ea typeface="하나 M" panose="02020603020101020101" pitchFamily="18" charset="-127"/>
+              </a:rPr>
+              <a:t>ON:Framework</a:t>
+            </a:r>
+            <a:endParaRPr lang="en-US" altLang="ko-KR" b="1" dirty="0" smtClean="0">
+              <a:latin typeface="하나 M" panose="02020603020101020101" pitchFamily="18" charset="-127"/>
+              <a:ea typeface="하나 M" panose="02020603020101020101" pitchFamily="18" charset="-127"/>
+            </a:endParaRPr>
+          </a:p>
+          <a:p>
+            <a:pPr lvl="0">
+              <a:spcBef>
+                <a:spcPts val="300"/>
+              </a:spcBef>
+              <a:spcAft>
+                <a:spcPts val="300"/>
+              </a:spcAft>
+            </a:pPr>
+            <a:r>
+              <a:rPr lang="en-US" altLang="ko-KR" sz="1400" b="1" dirty="0">
+                <a:latin typeface="하나 M" panose="02020603020101020101" pitchFamily="18" charset="-127"/>
+                <a:ea typeface="하나 M" panose="02020603020101020101" pitchFamily="18" charset="-127"/>
+              </a:rPr>
+              <a:t> </a:t>
+            </a:r>
+            <a:r>
+              <a:rPr lang="en-US" altLang="ko-KR" sz="1400" b="1" dirty="0" smtClean="0">
+                <a:latin typeface="하나 M" panose="02020603020101020101" pitchFamily="18" charset="-127"/>
+                <a:ea typeface="하나 M" panose="02020603020101020101" pitchFamily="18" charset="-127"/>
+              </a:rPr>
+              <a:t>  </a:t>
+            </a:r>
+            <a:r>
+              <a:rPr lang="en-US" altLang="ko-KR" sz="1400" dirty="0" smtClean="0">
+                <a:latin typeface="하나 M" panose="02020603020101020101" pitchFamily="18" charset="-127"/>
+                <a:ea typeface="하나 M" panose="02020603020101020101" pitchFamily="18" charset="-127"/>
+              </a:rPr>
+              <a:t>- </a:t>
+            </a:r>
+            <a:r>
+              <a:rPr lang="ko-KR" altLang="en-US" sz="1400" dirty="0" smtClean="0">
+                <a:latin typeface="하나 M" panose="02020603020101020101" pitchFamily="18" charset="-127"/>
+                <a:ea typeface="하나 M" panose="02020603020101020101" pitchFamily="18" charset="-127"/>
+              </a:rPr>
+              <a:t>오픈 소스 기반으로 </a:t>
+            </a:r>
+            <a:r>
+              <a:rPr lang="ko-KR" altLang="en-US" sz="1400" dirty="0" err="1" smtClean="0">
+                <a:latin typeface="하나 M" panose="02020603020101020101" pitchFamily="18" charset="-127"/>
+                <a:ea typeface="하나 M" panose="02020603020101020101" pitchFamily="18" charset="-127"/>
+              </a:rPr>
+              <a:t>클라우드</a:t>
+            </a:r>
+            <a:r>
+              <a:rPr lang="ko-KR" altLang="en-US" sz="1400" dirty="0" smtClean="0">
+                <a:latin typeface="하나 M" panose="02020603020101020101" pitchFamily="18" charset="-127"/>
+                <a:ea typeface="하나 M" panose="02020603020101020101" pitchFamily="18" charset="-127"/>
+              </a:rPr>
+              <a:t> 환경에 최적화 한 </a:t>
+            </a:r>
+            <a:r>
+              <a:rPr lang="en-US" altLang="ko-KR" sz="1400" dirty="0" smtClean="0">
+                <a:latin typeface="하나 M" panose="02020603020101020101" pitchFamily="18" charset="-127"/>
+                <a:ea typeface="하나 M" panose="02020603020101020101" pitchFamily="18" charset="-127"/>
+              </a:rPr>
+              <a:t>Framework </a:t>
+            </a:r>
+            <a:r>
+              <a:rPr lang="ko-KR" altLang="en-US" sz="1400" dirty="0" smtClean="0">
+                <a:latin typeface="하나 M" panose="02020603020101020101" pitchFamily="18" charset="-127"/>
+                <a:ea typeface="하나 M" panose="02020603020101020101" pitchFamily="18" charset="-127"/>
+              </a:rPr>
+              <a:t>구축 완료 </a:t>
+            </a:r>
+            <a:endParaRPr lang="en-US" altLang="ko-KR" sz="1400" dirty="0" smtClean="0">
+              <a:latin typeface="하나 M" panose="02020603020101020101" pitchFamily="18" charset="-127"/>
+              <a:ea typeface="하나 M" panose="02020603020101020101" pitchFamily="18" charset="-127"/>
+            </a:endParaRPr>
+          </a:p>
+          <a:p>
+            <a:pPr lvl="0">
+              <a:spcBef>
+                <a:spcPts val="300"/>
+              </a:spcBef>
+              <a:spcAft>
+                <a:spcPts val="300"/>
+              </a:spcAft>
+            </a:pPr>
+            <a:r>
+              <a:rPr lang="en-US" altLang="ko-KR" sz="1400" dirty="0">
+                <a:latin typeface="하나 M" panose="02020603020101020101" pitchFamily="18" charset="-127"/>
+                <a:ea typeface="하나 M" panose="02020603020101020101" pitchFamily="18" charset="-127"/>
+              </a:rPr>
+              <a:t> </a:t>
+            </a:r>
+            <a:r>
+              <a:rPr lang="en-US" altLang="ko-KR" sz="1400" dirty="0" smtClean="0">
+                <a:latin typeface="하나 M" panose="02020603020101020101" pitchFamily="18" charset="-127"/>
+                <a:ea typeface="하나 M" panose="02020603020101020101" pitchFamily="18" charset="-127"/>
+              </a:rPr>
+              <a:t>  - UI/UX Framework</a:t>
+            </a:r>
+            <a:r>
+              <a:rPr lang="ko-KR" altLang="en-US" sz="1400" dirty="0" smtClean="0">
+                <a:latin typeface="하나 M" panose="02020603020101020101" pitchFamily="18" charset="-127"/>
+                <a:ea typeface="하나 M" panose="02020603020101020101" pitchFamily="18" charset="-127"/>
+              </a:rPr>
+              <a:t>은 </a:t>
+            </a:r>
+            <a:r>
+              <a:rPr lang="en-US" altLang="ko-KR" sz="1400" dirty="0" smtClean="0">
+                <a:latin typeface="하나 M" panose="02020603020101020101" pitchFamily="18" charset="-127"/>
+                <a:ea typeface="하나 M" panose="02020603020101020101" pitchFamily="18" charset="-127"/>
+              </a:rPr>
+              <a:t>TOMATO System</a:t>
+            </a:r>
+            <a:r>
+              <a:rPr lang="ko-KR" altLang="en-US" sz="1400" dirty="0" smtClean="0">
+                <a:latin typeface="하나 M" panose="02020603020101020101" pitchFamily="18" charset="-127"/>
+                <a:ea typeface="하나 M" panose="02020603020101020101" pitchFamily="18" charset="-127"/>
+              </a:rPr>
+              <a:t>과의 협업을 통하여 적용</a:t>
+            </a:r>
+            <a:endParaRPr lang="en-US" altLang="ko-KR" sz="1400" dirty="0" smtClean="0">
+              <a:latin typeface="하나 M" panose="02020603020101020101" pitchFamily="18" charset="-127"/>
+              <a:ea typeface="하나 M" panose="02020603020101020101" pitchFamily="18" charset="-127"/>
+            </a:endParaRPr>
+          </a:p>
+          <a:p>
+            <a:pPr lvl="0">
+              <a:spcBef>
+                <a:spcPts val="300"/>
+              </a:spcBef>
+              <a:spcAft>
+                <a:spcPts val="300"/>
+              </a:spcAft>
+            </a:pPr>
+            <a:r>
+              <a:rPr lang="en-US" altLang="ko-KR" sz="1400" dirty="0">
+                <a:latin typeface="하나 M" panose="02020603020101020101" pitchFamily="18" charset="-127"/>
+                <a:ea typeface="하나 M" panose="02020603020101020101" pitchFamily="18" charset="-127"/>
+              </a:rPr>
+              <a:t> </a:t>
+            </a:r>
+            <a:r>
+              <a:rPr lang="en-US" altLang="ko-KR" sz="1400" dirty="0" smtClean="0">
+                <a:latin typeface="하나 M" panose="02020603020101020101" pitchFamily="18" charset="-127"/>
+                <a:ea typeface="하나 M" panose="02020603020101020101" pitchFamily="18" charset="-127"/>
+              </a:rPr>
+              <a:t>  - </a:t>
+            </a:r>
+            <a:r>
+              <a:rPr lang="ko-KR" altLang="en-US" sz="1400" dirty="0" smtClean="0">
+                <a:latin typeface="하나 M" panose="02020603020101020101" pitchFamily="18" charset="-127"/>
+                <a:ea typeface="하나 M" panose="02020603020101020101" pitchFamily="18" charset="-127"/>
+              </a:rPr>
+              <a:t>구성도</a:t>
+            </a:r>
+            <a:endParaRPr lang="ko-KR" altLang="ko-KR" sz="1400" dirty="0">
+              <a:latin typeface="하나 M" panose="02020603020101020101" pitchFamily="18" charset="-127"/>
+              <a:ea typeface="하나 M" panose="02020603020101020101" pitchFamily="18" charset="-127"/>
+            </a:endParaRPr>
+          </a:p>
+          <a:p>
+            <a:pPr marL="466090" indent="-285750">
+              <a:spcBef>
+                <a:spcPts val="300"/>
+              </a:spcBef>
+              <a:spcAft>
+                <a:spcPts val="300"/>
+              </a:spcAft>
+              <a:buFontTx/>
+              <a:buChar char="-"/>
+            </a:pPr>
+            <a:endParaRPr lang="ko-KR" altLang="ko-KR" sz="1400" dirty="0">
+              <a:latin typeface="하나 M" panose="02020603020101020101" pitchFamily="18" charset="-127"/>
+              <a:ea typeface="하나 M" panose="02020603020101020101" pitchFamily="18" charset="-127"/>
+            </a:endParaRPr>
+          </a:p>
+        </p:txBody>
+      </p:sp>
+      <p:sp>
+        <p:nvSpPr>
+          <p:cNvPr id="8" name="직사각형 7"/>
+          <p:cNvSpPr/>
+          <p:nvPr/>
+        </p:nvSpPr>
+        <p:spPr>
+          <a:xfrm>
+            <a:off x="152080" y="2267728"/>
+            <a:ext cx="8928992" cy="2304256"/>
+          </a:xfrm>
+          <a:prstGeom prst="rect">
+            <a:avLst/>
+          </a:prstGeom>
+          <a:noFill/>
+          <a:ln>
+            <a:solidFill>
+              <a:schemeClr val="tx1"/>
+            </a:solidFill>
+          </a:ln>
+        </p:spPr>
+        <p:style>
+          <a:lnRef idx="2">
+            <a:schemeClr val="accent1">
+              <a:shade val="50000"/>
+            </a:schemeClr>
+          </a:lnRef>
+          <a:fillRef idx="1">
+            <a:schemeClr val="accent1"/>
+          </a:fillRef>
+          <a:effectRef idx="0">
+            <a:schemeClr val="accent1"/>
+          </a:effectRef>
+          <a:fontRef idx="minor">
+            <a:schemeClr val="lt1"/>
+          </a:fontRef>
+        </p:style>
+        <p:txBody>
+          <a:bodyPr rtlCol="0" anchor="ctr"/>
+          <a:lstStyle/>
+          <a:p>
+            <a:pPr algn="ctr"/>
+            <a:endParaRPr lang="ko-KR" altLang="en-US"/>
+          </a:p>
+        </p:txBody>
+      </p:sp>
+      <p:sp>
+        <p:nvSpPr>
+          <p:cNvPr id="9" name="직사각형 8"/>
+          <p:cNvSpPr/>
+          <p:nvPr/>
+        </p:nvSpPr>
+        <p:spPr>
+          <a:xfrm>
+            <a:off x="224087" y="4020062"/>
+            <a:ext cx="8784976" cy="487772"/>
+          </a:xfrm>
+          <a:prstGeom prst="rect">
+            <a:avLst/>
+          </a:prstGeom>
+          <a:solidFill>
+            <a:schemeClr val="bg2">
+              <a:lumMod val="90000"/>
+            </a:schemeClr>
+          </a:solidFill>
+          <a:ln>
+            <a:noFill/>
+          </a:ln>
+        </p:spPr>
+        <p:style>
+          <a:lnRef idx="2">
+            <a:schemeClr val="accent1">
+              <a:shade val="50000"/>
+            </a:schemeClr>
+          </a:lnRef>
+          <a:fillRef idx="1">
+            <a:schemeClr val="accent1"/>
+          </a:fillRef>
+          <a:effectRef idx="0">
+            <a:schemeClr val="accent1"/>
+          </a:effectRef>
+          <a:fontRef idx="minor">
+            <a:schemeClr val="lt1"/>
+          </a:fontRef>
+        </p:style>
+        <p:txBody>
+          <a:bodyPr rtlCol="0" anchor="ctr"/>
+          <a:lstStyle/>
+          <a:p>
+            <a:pPr algn="ctr"/>
+            <a:r>
+              <a:rPr lang="en-US" altLang="ko-KR" dirty="0" smtClean="0"/>
+              <a:t>Open OS</a:t>
+            </a:r>
+            <a:endParaRPr lang="ko-KR" altLang="en-US" dirty="0"/>
+          </a:p>
+        </p:txBody>
+      </p:sp>
+      <p:grpSp>
+        <p:nvGrpSpPr>
+          <p:cNvPr id="10" name="그룹 9"/>
+          <p:cNvGrpSpPr/>
+          <p:nvPr/>
+        </p:nvGrpSpPr>
+        <p:grpSpPr>
+          <a:xfrm>
+            <a:off x="1592239" y="2322046"/>
+            <a:ext cx="6538052" cy="1634508"/>
+            <a:chOff x="2009841" y="872834"/>
+            <a:chExt cx="9619664" cy="4239491"/>
+          </a:xfrm>
+        </p:grpSpPr>
+        <p:sp>
+          <p:nvSpPr>
+            <p:cNvPr id="12" name="직사각형 11"/>
+            <p:cNvSpPr/>
+            <p:nvPr/>
+          </p:nvSpPr>
+          <p:spPr>
+            <a:xfrm>
+              <a:off x="2009841" y="4522121"/>
+              <a:ext cx="9619664" cy="590204"/>
+            </a:xfrm>
+            <a:prstGeom prst="rect">
+              <a:avLst/>
+            </a:prstGeom>
+            <a:solidFill>
+              <a:schemeClr val="bg2">
+                <a:lumMod val="75000"/>
+              </a:schemeClr>
+            </a:solidFill>
+            <a:ln>
+              <a:noFill/>
+            </a:ln>
+          </p:spPr>
+          <p:style>
+            <a:lnRef idx="2">
+              <a:schemeClr val="accent1">
+                <a:shade val="50000"/>
+              </a:schemeClr>
+            </a:lnRef>
+            <a:fillRef idx="1">
+              <a:schemeClr val="accent1"/>
+            </a:fillRef>
+            <a:effectRef idx="0">
+              <a:schemeClr val="accent1"/>
+            </a:effectRef>
+            <a:fontRef idx="minor">
+              <a:schemeClr val="lt1"/>
+            </a:fontRef>
+          </p:style>
+          <p:txBody>
+            <a:bodyPr rtlCol="0" anchor="ctr"/>
+            <a:lstStyle/>
+            <a:p>
+              <a:pPr algn="ctr"/>
+              <a:r>
+                <a:rPr lang="en-US" altLang="ko-KR" b="1" dirty="0" smtClean="0"/>
+                <a:t>Docker</a:t>
+              </a:r>
+              <a:endParaRPr lang="ko-KR" altLang="en-US" b="1" dirty="0"/>
+            </a:p>
+          </p:txBody>
+        </p:sp>
+        <p:sp>
+          <p:nvSpPr>
+            <p:cNvPr id="13" name="직사각형 12"/>
+            <p:cNvSpPr/>
+            <p:nvPr/>
+          </p:nvSpPr>
+          <p:spPr>
+            <a:xfrm>
+              <a:off x="2027374" y="872834"/>
+              <a:ext cx="9586028" cy="3657600"/>
+            </a:xfrm>
+            <a:prstGeom prst="rect">
+              <a:avLst/>
+            </a:prstGeom>
+            <a:solidFill>
+              <a:schemeClr val="bg2">
+                <a:lumMod val="90000"/>
+              </a:schemeClr>
+            </a:solidFill>
+            <a:ln w="38100">
+              <a:solidFill>
+                <a:schemeClr val="bg2">
+                  <a:lumMod val="75000"/>
+                </a:schemeClr>
+              </a:solidFill>
+            </a:ln>
+          </p:spPr>
+          <p:style>
+            <a:lnRef idx="2">
+              <a:schemeClr val="accent1">
+                <a:shade val="50000"/>
+              </a:schemeClr>
+            </a:lnRef>
+            <a:fillRef idx="1">
+              <a:schemeClr val="accent1"/>
+            </a:fillRef>
+            <a:effectRef idx="0">
+              <a:schemeClr val="accent1"/>
+            </a:effectRef>
+            <a:fontRef idx="minor">
+              <a:schemeClr val="lt1"/>
+            </a:fontRef>
+          </p:style>
+          <p:txBody>
+            <a:bodyPr rtlCol="0" anchor="ctr"/>
+            <a:lstStyle/>
+            <a:p>
+              <a:pPr algn="ctr"/>
+              <a:endParaRPr lang="ko-KR" altLang="en-US"/>
+            </a:p>
+          </p:txBody>
+        </p:sp>
+      </p:grpSp>
+      <p:sp>
+        <p:nvSpPr>
+          <p:cNvPr id="14" name="직사각형 13"/>
+          <p:cNvSpPr/>
+          <p:nvPr/>
+        </p:nvSpPr>
+        <p:spPr>
+          <a:xfrm>
+            <a:off x="1664247" y="2391516"/>
+            <a:ext cx="6249463" cy="1229523"/>
+          </a:xfrm>
+          <a:prstGeom prst="rect">
+            <a:avLst/>
+          </a:prstGeom>
+          <a:solidFill>
+            <a:schemeClr val="accent4">
+              <a:lumMod val="20000"/>
+              <a:lumOff val="80000"/>
+            </a:schemeClr>
+          </a:solidFill>
+          <a:ln w="28575">
+            <a:solidFill>
+              <a:schemeClr val="accent4">
+                <a:lumMod val="75000"/>
+              </a:schemeClr>
+            </a:solidFill>
+          </a:ln>
+        </p:spPr>
+        <p:style>
+          <a:lnRef idx="2">
+            <a:schemeClr val="accent1">
+              <a:shade val="50000"/>
+            </a:schemeClr>
+          </a:lnRef>
+          <a:fillRef idx="1">
+            <a:schemeClr val="accent1"/>
+          </a:fillRef>
+          <a:effectRef idx="0">
+            <a:schemeClr val="accent1"/>
+          </a:effectRef>
+          <a:fontRef idx="minor">
+            <a:schemeClr val="lt1"/>
+          </a:fontRef>
+        </p:style>
+        <p:txBody>
+          <a:bodyPr rtlCol="0" anchor="ctr"/>
+          <a:lstStyle/>
+          <a:p>
+            <a:pPr algn="ctr"/>
+            <a:endParaRPr lang="en-US" altLang="ko-KR" dirty="0" smtClean="0"/>
+          </a:p>
+          <a:p>
+            <a:pPr algn="ctr"/>
+            <a:endParaRPr lang="en-US" altLang="ko-KR" dirty="0"/>
+          </a:p>
+          <a:p>
+            <a:pPr algn="ctr"/>
+            <a:endParaRPr lang="en-US" altLang="ko-KR" dirty="0" smtClean="0"/>
+          </a:p>
+          <a:p>
+            <a:pPr algn="ctr"/>
+            <a:r>
+              <a:rPr lang="en-US" altLang="ko-KR" b="1" dirty="0" err="1" smtClean="0">
+                <a:solidFill>
+                  <a:schemeClr val="tx1"/>
+                </a:solidFill>
+              </a:rPr>
+              <a:t>docker</a:t>
+            </a:r>
+            <a:r>
+              <a:rPr lang="en-US" altLang="ko-KR" b="1" dirty="0" smtClean="0">
+                <a:solidFill>
+                  <a:schemeClr val="tx1"/>
+                </a:solidFill>
+              </a:rPr>
+              <a:t>-compose</a:t>
+            </a:r>
+            <a:endParaRPr lang="ko-KR" altLang="en-US" b="1" dirty="0">
+              <a:solidFill>
+                <a:schemeClr val="tx1"/>
+              </a:solidFill>
+            </a:endParaRPr>
+          </a:p>
+        </p:txBody>
+      </p:sp>
+      <p:sp>
+        <p:nvSpPr>
+          <p:cNvPr id="15" name="직사각형 14"/>
+          <p:cNvSpPr/>
+          <p:nvPr/>
+        </p:nvSpPr>
+        <p:spPr>
+          <a:xfrm>
+            <a:off x="1740463" y="2447124"/>
+            <a:ext cx="1129814" cy="747655"/>
+          </a:xfrm>
+          <a:prstGeom prst="rect">
+            <a:avLst/>
+          </a:prstGeom>
+          <a:solidFill>
+            <a:schemeClr val="bg1"/>
+          </a:solidFill>
+          <a:ln>
+            <a:solidFill>
+              <a:schemeClr val="tx1"/>
+            </a:solidFill>
+          </a:ln>
+        </p:spPr>
+        <p:style>
+          <a:lnRef idx="2">
+            <a:schemeClr val="accent1">
+              <a:shade val="50000"/>
+            </a:schemeClr>
+          </a:lnRef>
+          <a:fillRef idx="1">
+            <a:schemeClr val="accent1"/>
+          </a:fillRef>
+          <a:effectRef idx="0">
+            <a:schemeClr val="accent1"/>
+          </a:effectRef>
+          <a:fontRef idx="minor">
+            <a:schemeClr val="lt1"/>
+          </a:fontRef>
+        </p:style>
+        <p:txBody>
+          <a:bodyPr rtlCol="0" anchor="ctr"/>
+          <a:lstStyle/>
+          <a:p>
+            <a:pPr algn="ctr"/>
+            <a:endParaRPr lang="en-US" altLang="ko-KR" dirty="0" smtClean="0">
+              <a:solidFill>
+                <a:schemeClr val="tx1"/>
+              </a:solidFill>
+            </a:endParaRPr>
+          </a:p>
+        </p:txBody>
+      </p:sp>
+      <p:pic>
+        <p:nvPicPr>
+          <p:cNvPr id="18" name="그림 17"/>
+          <p:cNvPicPr>
+            <a:picLocks noChangeAspect="1"/>
+          </p:cNvPicPr>
+          <p:nvPr/>
+        </p:nvPicPr>
+        <p:blipFill>
+          <a:blip r:embed="rId3" cstate="print">
+            <a:extLst>
+              <a:ext uri="{28A0092B-C50C-407E-A947-70E740481C1C}">
+                <a14:useLocalDpi xmlns:a14="http://schemas.microsoft.com/office/drawing/2010/main" val="0"/>
+              </a:ext>
+            </a:extLst>
+          </a:blip>
+          <a:stretch>
+            <a:fillRect/>
+          </a:stretch>
+        </p:blipFill>
+        <p:spPr>
+          <a:xfrm>
+            <a:off x="1985479" y="2534647"/>
+            <a:ext cx="674493" cy="246622"/>
+          </a:xfrm>
+          <a:prstGeom prst="rect">
+            <a:avLst/>
+          </a:prstGeom>
+        </p:spPr>
+      </p:pic>
+      <p:graphicFrame>
+        <p:nvGraphicFramePr>
+          <p:cNvPr id="19" name="표 18"/>
+          <p:cNvGraphicFramePr>
+            <a:graphicFrameLocks noGrp="1"/>
+          </p:cNvGraphicFramePr>
+          <p:nvPr>
+            <p:extLst/>
+          </p:nvPr>
+        </p:nvGraphicFramePr>
+        <p:xfrm>
+          <a:off x="1876291" y="2825686"/>
+          <a:ext cx="879564" cy="322606"/>
+        </p:xfrm>
+        <a:graphic>
+          <a:graphicData uri="http://schemas.openxmlformats.org/drawingml/2006/table">
+            <a:tbl>
+              <a:tblPr firstRow="1" bandRow="1">
+                <a:tableStyleId>{F5AB1C69-6EDB-4FF4-983F-18BD219EF322}</a:tableStyleId>
+              </a:tblPr>
+              <a:tblGrid>
+                <a:gridCol w="879564">
+                  <a:extLst>
+                    <a:ext uri="{9D8B030D-6E8A-4147-A177-3AD203B41FA5}">
+                      <a16:colId xmlns:a16="http://schemas.microsoft.com/office/drawing/2014/main" val="2276097553"/>
+                    </a:ext>
+                  </a:extLst>
+                </a:gridCol>
+              </a:tblGrid>
+              <a:tr h="322606">
+                <a:tc>
+                  <a:txBody>
+                    <a:bodyPr/>
+                    <a:lstStyle/>
+                    <a:p>
+                      <a:pPr algn="ctr" latinLnBrk="1"/>
+                      <a:r>
+                        <a:rPr lang="en-US" altLang="ko-KR" sz="1200" dirty="0" smtClean="0">
+                          <a:solidFill>
+                            <a:schemeClr val="bg1"/>
+                          </a:solidFill>
+                        </a:rPr>
+                        <a:t>Web</a:t>
+                      </a:r>
+                      <a:endParaRPr lang="ko-KR" altLang="en-US" sz="1200" dirty="0">
+                        <a:solidFill>
+                          <a:schemeClr val="bg1"/>
+                        </a:solidFill>
+                      </a:endParaRPr>
+                    </a:p>
+                  </a:txBody>
+                  <a:tcPr/>
+                </a:tc>
+                <a:extLst>
+                  <a:ext uri="{0D108BD9-81ED-4DB2-BD59-A6C34878D82A}">
+                    <a16:rowId xmlns:a16="http://schemas.microsoft.com/office/drawing/2014/main" val="2854074796"/>
+                  </a:ext>
+                </a:extLst>
+              </a:tr>
+            </a:tbl>
+          </a:graphicData>
+        </a:graphic>
+      </p:graphicFrame>
+      <p:sp>
+        <p:nvSpPr>
+          <p:cNvPr id="22" name="직사각형 21"/>
+          <p:cNvSpPr/>
+          <p:nvPr/>
+        </p:nvSpPr>
+        <p:spPr>
+          <a:xfrm>
+            <a:off x="239179" y="2339736"/>
+            <a:ext cx="1319324" cy="348989"/>
+          </a:xfrm>
+          <a:prstGeom prst="rect">
+            <a:avLst/>
+          </a:prstGeom>
+          <a:solidFill>
+            <a:schemeClr val="accent2">
+              <a:lumMod val="20000"/>
+              <a:lumOff val="80000"/>
+            </a:schemeClr>
+          </a:solidFill>
+          <a:ln>
+            <a:noFill/>
+          </a:ln>
+        </p:spPr>
+        <p:style>
+          <a:lnRef idx="2">
+            <a:schemeClr val="accent1">
+              <a:shade val="50000"/>
+            </a:schemeClr>
+          </a:lnRef>
+          <a:fillRef idx="1">
+            <a:schemeClr val="accent1"/>
+          </a:fillRef>
+          <a:effectRef idx="0">
+            <a:schemeClr val="accent1"/>
+          </a:effectRef>
+          <a:fontRef idx="minor">
+            <a:schemeClr val="lt1"/>
+          </a:fontRef>
+        </p:style>
+        <p:txBody>
+          <a:bodyPr rtlCol="0" anchor="ctr"/>
+          <a:lstStyle/>
+          <a:p>
+            <a:pPr algn="ctr"/>
+            <a:r>
+              <a:rPr lang="en-US" altLang="ko-KR" sz="1100" dirty="0" err="1" smtClean="0">
+                <a:solidFill>
+                  <a:schemeClr val="tx1"/>
+                </a:solidFill>
+                <a:latin typeface="하나 L" panose="02020603020101020101" pitchFamily="18" charset="-127"/>
+                <a:ea typeface="하나 L" panose="02020603020101020101" pitchFamily="18" charset="-127"/>
+              </a:rPr>
+              <a:t>eXbuilder</a:t>
+            </a:r>
+            <a:endParaRPr lang="en-US" altLang="ko-KR" sz="1100" dirty="0">
+              <a:solidFill>
+                <a:schemeClr val="tx1"/>
+              </a:solidFill>
+              <a:latin typeface="하나 L" panose="02020603020101020101" pitchFamily="18" charset="-127"/>
+              <a:ea typeface="하나 L" panose="02020603020101020101" pitchFamily="18" charset="-127"/>
+            </a:endParaRPr>
+          </a:p>
+          <a:p>
+            <a:pPr algn="ctr"/>
+            <a:r>
+              <a:rPr lang="en-US" altLang="ko-KR" sz="1100" dirty="0" smtClean="0">
+                <a:solidFill>
+                  <a:schemeClr val="tx1"/>
+                </a:solidFill>
+                <a:latin typeface="하나 L" panose="02020603020101020101" pitchFamily="18" charset="-127"/>
+                <a:ea typeface="하나 L" panose="02020603020101020101" pitchFamily="18" charset="-127"/>
+              </a:rPr>
+              <a:t>html</a:t>
+            </a:r>
+            <a:endParaRPr lang="ko-KR" altLang="en-US" sz="1100" dirty="0">
+              <a:solidFill>
+                <a:schemeClr val="tx1"/>
+              </a:solidFill>
+              <a:latin typeface="하나 L" panose="02020603020101020101" pitchFamily="18" charset="-127"/>
+              <a:ea typeface="하나 L" panose="02020603020101020101" pitchFamily="18" charset="-127"/>
+            </a:endParaRPr>
+          </a:p>
+        </p:txBody>
+      </p:sp>
+      <p:sp>
+        <p:nvSpPr>
+          <p:cNvPr id="23" name="직사각형 22"/>
+          <p:cNvSpPr/>
+          <p:nvPr/>
+        </p:nvSpPr>
+        <p:spPr>
+          <a:xfrm>
+            <a:off x="224087" y="2771804"/>
+            <a:ext cx="1319324" cy="348989"/>
+          </a:xfrm>
+          <a:prstGeom prst="rect">
+            <a:avLst/>
+          </a:prstGeom>
+          <a:solidFill>
+            <a:schemeClr val="accent2">
+              <a:lumMod val="20000"/>
+              <a:lumOff val="80000"/>
+            </a:schemeClr>
+          </a:solidFill>
+          <a:ln>
+            <a:noFill/>
+          </a:ln>
+        </p:spPr>
+        <p:style>
+          <a:lnRef idx="2">
+            <a:schemeClr val="accent1">
+              <a:shade val="50000"/>
+            </a:schemeClr>
+          </a:lnRef>
+          <a:fillRef idx="1">
+            <a:schemeClr val="accent1"/>
+          </a:fillRef>
+          <a:effectRef idx="0">
+            <a:schemeClr val="accent1"/>
+          </a:effectRef>
+          <a:fontRef idx="minor">
+            <a:schemeClr val="lt1"/>
+          </a:fontRef>
+        </p:style>
+        <p:txBody>
+          <a:bodyPr rtlCol="0" anchor="ctr"/>
+          <a:lstStyle/>
+          <a:p>
+            <a:pPr algn="ctr"/>
+            <a:r>
+              <a:rPr lang="en-US" altLang="ko-KR" sz="1100" dirty="0" smtClean="0">
+                <a:solidFill>
+                  <a:schemeClr val="tx1"/>
+                </a:solidFill>
+                <a:latin typeface="하나 L" panose="02020603020101020101" pitchFamily="18" charset="-127"/>
+                <a:ea typeface="하나 L" panose="02020603020101020101" pitchFamily="18" charset="-127"/>
+              </a:rPr>
+              <a:t>Nginx </a:t>
+            </a:r>
+            <a:r>
+              <a:rPr lang="en-US" altLang="ko-KR" sz="1100" dirty="0" err="1" smtClean="0">
+                <a:solidFill>
+                  <a:schemeClr val="tx1"/>
+                </a:solidFill>
+                <a:latin typeface="하나 L" panose="02020603020101020101" pitchFamily="18" charset="-127"/>
+                <a:ea typeface="하나 L" panose="02020603020101020101" pitchFamily="18" charset="-127"/>
+              </a:rPr>
+              <a:t>Config</a:t>
+            </a:r>
+            <a:endParaRPr lang="ko-KR" altLang="en-US" sz="1100" dirty="0">
+              <a:solidFill>
+                <a:schemeClr val="tx1"/>
+              </a:solidFill>
+              <a:latin typeface="하나 L" panose="02020603020101020101" pitchFamily="18" charset="-127"/>
+              <a:ea typeface="하나 L" panose="02020603020101020101" pitchFamily="18" charset="-127"/>
+            </a:endParaRPr>
+          </a:p>
+        </p:txBody>
+      </p:sp>
+      <p:sp>
+        <p:nvSpPr>
+          <p:cNvPr id="24" name="직사각형 23"/>
+          <p:cNvSpPr/>
+          <p:nvPr/>
+        </p:nvSpPr>
+        <p:spPr>
+          <a:xfrm>
+            <a:off x="239179" y="3179904"/>
+            <a:ext cx="1319324" cy="348989"/>
+          </a:xfrm>
+          <a:prstGeom prst="rect">
+            <a:avLst/>
+          </a:prstGeom>
+          <a:solidFill>
+            <a:schemeClr val="accent2">
+              <a:lumMod val="20000"/>
+              <a:lumOff val="80000"/>
+            </a:schemeClr>
+          </a:solidFill>
+          <a:ln>
+            <a:noFill/>
+          </a:ln>
+        </p:spPr>
+        <p:style>
+          <a:lnRef idx="2">
+            <a:schemeClr val="accent1">
+              <a:shade val="50000"/>
+            </a:schemeClr>
+          </a:lnRef>
+          <a:fillRef idx="1">
+            <a:schemeClr val="accent1"/>
+          </a:fillRef>
+          <a:effectRef idx="0">
+            <a:schemeClr val="accent1"/>
+          </a:effectRef>
+          <a:fontRef idx="minor">
+            <a:schemeClr val="lt1"/>
+          </a:fontRef>
+        </p:style>
+        <p:txBody>
+          <a:bodyPr rtlCol="0" anchor="ctr"/>
+          <a:lstStyle/>
+          <a:p>
+            <a:pPr algn="ctr"/>
+            <a:r>
+              <a:rPr lang="en-US" altLang="ko-KR" sz="1100" dirty="0" smtClean="0">
+                <a:solidFill>
+                  <a:schemeClr val="tx1"/>
+                </a:solidFill>
+                <a:latin typeface="하나 L" panose="02020603020101020101" pitchFamily="18" charset="-127"/>
+                <a:ea typeface="하나 L" panose="02020603020101020101" pitchFamily="18" charset="-127"/>
+              </a:rPr>
+              <a:t>Logs</a:t>
+            </a:r>
+            <a:endParaRPr lang="ko-KR" altLang="en-US" sz="1100" dirty="0">
+              <a:solidFill>
+                <a:schemeClr val="tx1"/>
+              </a:solidFill>
+              <a:latin typeface="하나 L" panose="02020603020101020101" pitchFamily="18" charset="-127"/>
+              <a:ea typeface="하나 L" panose="02020603020101020101" pitchFamily="18" charset="-127"/>
+            </a:endParaRPr>
+          </a:p>
+        </p:txBody>
+      </p:sp>
+      <p:sp>
+        <p:nvSpPr>
+          <p:cNvPr id="25" name="직사각형 24"/>
+          <p:cNvSpPr/>
+          <p:nvPr/>
+        </p:nvSpPr>
+        <p:spPr>
+          <a:xfrm>
+            <a:off x="235093" y="3611994"/>
+            <a:ext cx="1319324" cy="348989"/>
+          </a:xfrm>
+          <a:prstGeom prst="rect">
+            <a:avLst/>
+          </a:prstGeom>
+          <a:solidFill>
+            <a:schemeClr val="accent2">
+              <a:lumMod val="20000"/>
+              <a:lumOff val="80000"/>
+            </a:schemeClr>
+          </a:solidFill>
+          <a:ln>
+            <a:noFill/>
+          </a:ln>
+        </p:spPr>
+        <p:style>
+          <a:lnRef idx="2">
+            <a:schemeClr val="accent1">
+              <a:shade val="50000"/>
+            </a:schemeClr>
+          </a:lnRef>
+          <a:fillRef idx="1">
+            <a:schemeClr val="accent1"/>
+          </a:fillRef>
+          <a:effectRef idx="0">
+            <a:schemeClr val="accent1"/>
+          </a:effectRef>
+          <a:fontRef idx="minor">
+            <a:schemeClr val="lt1"/>
+          </a:fontRef>
+        </p:style>
+        <p:txBody>
+          <a:bodyPr rtlCol="0" anchor="ctr"/>
+          <a:lstStyle/>
+          <a:p>
+            <a:pPr algn="ctr"/>
+            <a:r>
+              <a:rPr lang="en-US" altLang="ko-KR" sz="1100" dirty="0" smtClean="0">
+                <a:solidFill>
+                  <a:schemeClr val="tx1"/>
+                </a:solidFill>
+                <a:latin typeface="하나 L" panose="02020603020101020101" pitchFamily="18" charset="-127"/>
+                <a:ea typeface="하나 L" panose="02020603020101020101" pitchFamily="18" charset="-127"/>
+              </a:rPr>
+              <a:t>DB</a:t>
+            </a:r>
+            <a:endParaRPr lang="ko-KR" altLang="en-US" sz="1100" dirty="0">
+              <a:solidFill>
+                <a:schemeClr val="tx1"/>
+              </a:solidFill>
+              <a:latin typeface="하나 L" panose="02020603020101020101" pitchFamily="18" charset="-127"/>
+              <a:ea typeface="하나 L" panose="02020603020101020101" pitchFamily="18" charset="-127"/>
+            </a:endParaRPr>
+          </a:p>
+        </p:txBody>
+      </p:sp>
+      <p:graphicFrame>
+        <p:nvGraphicFramePr>
+          <p:cNvPr id="37" name="표 36"/>
+          <p:cNvGraphicFramePr>
+            <a:graphicFrameLocks noGrp="1"/>
+          </p:cNvGraphicFramePr>
+          <p:nvPr>
+            <p:extLst/>
+          </p:nvPr>
+        </p:nvGraphicFramePr>
+        <p:xfrm>
+          <a:off x="8191399" y="3457290"/>
+          <a:ext cx="817664" cy="322606"/>
+        </p:xfrm>
+        <a:graphic>
+          <a:graphicData uri="http://schemas.openxmlformats.org/drawingml/2006/table">
+            <a:tbl>
+              <a:tblPr firstRow="1" bandRow="1">
+                <a:tableStyleId>{F5AB1C69-6EDB-4FF4-983F-18BD219EF322}</a:tableStyleId>
+              </a:tblPr>
+              <a:tblGrid>
+                <a:gridCol w="817664">
+                  <a:extLst>
+                    <a:ext uri="{9D8B030D-6E8A-4147-A177-3AD203B41FA5}">
+                      <a16:colId xmlns:a16="http://schemas.microsoft.com/office/drawing/2014/main" val="2276097553"/>
+                    </a:ext>
+                  </a:extLst>
+                </a:gridCol>
+              </a:tblGrid>
+              <a:tr h="322606">
+                <a:tc>
+                  <a:txBody>
+                    <a:bodyPr/>
+                    <a:lstStyle/>
+                    <a:p>
+                      <a:pPr algn="ctr" latinLnBrk="1"/>
+                      <a:r>
+                        <a:rPr lang="en-US" altLang="ko-KR" sz="1200" dirty="0" smtClean="0"/>
+                        <a:t>Any DB</a:t>
+                      </a:r>
+                      <a:endParaRPr lang="ko-KR" altLang="en-US" sz="1200" dirty="0"/>
+                    </a:p>
+                  </a:txBody>
+                  <a:tcPr/>
+                </a:tc>
+                <a:extLst>
+                  <a:ext uri="{0D108BD9-81ED-4DB2-BD59-A6C34878D82A}">
+                    <a16:rowId xmlns:a16="http://schemas.microsoft.com/office/drawing/2014/main" val="2854074796"/>
+                  </a:ext>
+                </a:extLst>
+              </a:tr>
+            </a:tbl>
+          </a:graphicData>
+        </a:graphic>
+      </p:graphicFrame>
+      <p:pic>
+        <p:nvPicPr>
+          <p:cNvPr id="41" name="Picture 13" descr="Picture43"/>
+          <p:cNvPicPr preferRelativeResize="0">
+            <a:picLocks noChangeArrowheads="1"/>
+          </p:cNvPicPr>
+          <p:nvPr/>
+        </p:nvPicPr>
+        <p:blipFill>
+          <a:blip r:embed="rId4" cstate="print">
+            <a:duotone>
+              <a:schemeClr val="accent6">
+                <a:shade val="45000"/>
+                <a:satMod val="135000"/>
+              </a:schemeClr>
+              <a:prstClr val="white"/>
+            </a:duotone>
+            <a:extLst>
+              <a:ext uri="{BEBA8EAE-BF5A-486C-A8C5-ECC9F3942E4B}">
+                <a14:imgProps xmlns:a14="http://schemas.microsoft.com/office/drawing/2010/main">
+                  <a14:imgLayer r:embed="rId5">
+                    <a14:imgEffect>
+                      <a14:colorTemperature colorTemp="4700"/>
+                    </a14:imgEffect>
+                    <a14:imgEffect>
+                      <a14:saturation sat="0"/>
+                    </a14:imgEffect>
+                    <a14:imgEffect>
+                      <a14:brightnessContrast bright="-40000" contrast="40000"/>
+                    </a14:imgEffect>
+                  </a14:imgLayer>
+                </a14:imgProps>
+              </a:ext>
+              <a:ext uri="{28A0092B-C50C-407E-A947-70E740481C1C}">
+                <a14:useLocalDpi xmlns:a14="http://schemas.microsoft.com/office/drawing/2010/main" val="0"/>
+              </a:ext>
+            </a:extLst>
+          </a:blip>
+          <a:srcRect/>
+          <a:stretch>
+            <a:fillRect/>
+          </a:stretch>
+        </p:blipFill>
+        <p:spPr bwMode="auto">
+          <a:xfrm>
+            <a:off x="8360991" y="2688176"/>
+            <a:ext cx="442392" cy="587664"/>
+          </a:xfrm>
+          <a:prstGeom prst="rect">
+            <a:avLst/>
+          </a:prstGeom>
+          <a:noFill/>
+          <a:ln>
+            <a:noFill/>
+          </a:ln>
+          <a:extLst>
+            <a:ext uri="{909E8E84-426E-40DD-AFC4-6F175D3DCCD1}">
+              <a14:hiddenFill xmlns:a14="http://schemas.microsoft.com/office/drawing/2010/main">
+                <a:solidFill>
+                  <a:srgbClr val="FFFFFF"/>
+                </a:solidFill>
+              </a14:hiddenFill>
+            </a:ext>
+            <a:ext uri="{91240B29-F687-4F45-9708-019B960494DF}">
+              <a14:hiddenLine xmlns:a14="http://schemas.microsoft.com/office/drawing/2010/main" w="9525">
+                <a:solidFill>
+                  <a:srgbClr val="000000"/>
+                </a:solidFill>
+                <a:miter lim="800000"/>
+                <a:headEnd/>
+                <a:tailEnd/>
+              </a14:hiddenLine>
+            </a:ext>
+          </a:extLst>
+        </p:spPr>
+      </p:pic>
+      <p:sp>
+        <p:nvSpPr>
+          <p:cNvPr id="43" name="직사각형 42"/>
+          <p:cNvSpPr/>
+          <p:nvPr/>
+        </p:nvSpPr>
+        <p:spPr>
+          <a:xfrm>
+            <a:off x="2982705" y="2438071"/>
+            <a:ext cx="1129814" cy="747655"/>
+          </a:xfrm>
+          <a:prstGeom prst="rect">
+            <a:avLst/>
+          </a:prstGeom>
+          <a:solidFill>
+            <a:schemeClr val="bg1"/>
+          </a:solidFill>
+          <a:ln>
+            <a:solidFill>
+              <a:schemeClr val="tx1"/>
+            </a:solidFill>
+          </a:ln>
+        </p:spPr>
+        <p:style>
+          <a:lnRef idx="2">
+            <a:schemeClr val="accent1">
+              <a:shade val="50000"/>
+            </a:schemeClr>
+          </a:lnRef>
+          <a:fillRef idx="1">
+            <a:schemeClr val="accent1"/>
+          </a:fillRef>
+          <a:effectRef idx="0">
+            <a:schemeClr val="accent1"/>
+          </a:effectRef>
+          <a:fontRef idx="minor">
+            <a:schemeClr val="lt1"/>
+          </a:fontRef>
+        </p:style>
+        <p:txBody>
+          <a:bodyPr rtlCol="0" anchor="ctr"/>
+          <a:lstStyle/>
+          <a:p>
+            <a:pPr algn="ctr"/>
+            <a:endParaRPr lang="en-US" altLang="ko-KR" dirty="0" smtClean="0">
+              <a:solidFill>
+                <a:schemeClr val="tx1"/>
+              </a:solidFill>
+            </a:endParaRPr>
+          </a:p>
+        </p:txBody>
+      </p:sp>
+      <p:sp>
+        <p:nvSpPr>
+          <p:cNvPr id="44" name="직사각형 43"/>
+          <p:cNvSpPr/>
+          <p:nvPr/>
+        </p:nvSpPr>
+        <p:spPr>
+          <a:xfrm>
+            <a:off x="4206841" y="2438071"/>
+            <a:ext cx="1129814" cy="747655"/>
+          </a:xfrm>
+          <a:prstGeom prst="rect">
+            <a:avLst/>
+          </a:prstGeom>
+          <a:solidFill>
+            <a:schemeClr val="bg1"/>
+          </a:solidFill>
+          <a:ln>
+            <a:solidFill>
+              <a:schemeClr val="tx1"/>
+            </a:solidFill>
+          </a:ln>
+        </p:spPr>
+        <p:style>
+          <a:lnRef idx="2">
+            <a:schemeClr val="accent1">
+              <a:shade val="50000"/>
+            </a:schemeClr>
+          </a:lnRef>
+          <a:fillRef idx="1">
+            <a:schemeClr val="accent1"/>
+          </a:fillRef>
+          <a:effectRef idx="0">
+            <a:schemeClr val="accent1"/>
+          </a:effectRef>
+          <a:fontRef idx="minor">
+            <a:schemeClr val="lt1"/>
+          </a:fontRef>
+        </p:style>
+        <p:txBody>
+          <a:bodyPr rtlCol="0" anchor="ctr"/>
+          <a:lstStyle/>
+          <a:p>
+            <a:pPr algn="ctr"/>
+            <a:endParaRPr lang="en-US" altLang="ko-KR" dirty="0" smtClean="0">
+              <a:solidFill>
+                <a:schemeClr val="tx1"/>
+              </a:solidFill>
+            </a:endParaRPr>
+          </a:p>
+        </p:txBody>
+      </p:sp>
+      <p:sp>
+        <p:nvSpPr>
+          <p:cNvPr id="45" name="직사각형 44"/>
+          <p:cNvSpPr/>
+          <p:nvPr/>
+        </p:nvSpPr>
+        <p:spPr>
+          <a:xfrm>
+            <a:off x="5480671" y="2438071"/>
+            <a:ext cx="1129814" cy="747655"/>
+          </a:xfrm>
+          <a:prstGeom prst="rect">
+            <a:avLst/>
+          </a:prstGeom>
+          <a:solidFill>
+            <a:schemeClr val="bg1"/>
+          </a:solidFill>
+          <a:ln>
+            <a:solidFill>
+              <a:schemeClr val="tx1"/>
+            </a:solidFill>
+          </a:ln>
+        </p:spPr>
+        <p:style>
+          <a:lnRef idx="2">
+            <a:schemeClr val="accent1">
+              <a:shade val="50000"/>
+            </a:schemeClr>
+          </a:lnRef>
+          <a:fillRef idx="1">
+            <a:schemeClr val="accent1"/>
+          </a:fillRef>
+          <a:effectRef idx="0">
+            <a:schemeClr val="accent1"/>
+          </a:effectRef>
+          <a:fontRef idx="minor">
+            <a:schemeClr val="lt1"/>
+          </a:fontRef>
+        </p:style>
+        <p:txBody>
+          <a:bodyPr rtlCol="0" anchor="ctr"/>
+          <a:lstStyle/>
+          <a:p>
+            <a:pPr algn="ctr"/>
+            <a:endParaRPr lang="en-US" altLang="ko-KR" dirty="0" smtClean="0">
+              <a:solidFill>
+                <a:schemeClr val="tx1"/>
+              </a:solidFill>
+            </a:endParaRPr>
+          </a:p>
+        </p:txBody>
+      </p:sp>
+      <p:sp>
+        <p:nvSpPr>
+          <p:cNvPr id="46" name="직사각형 45"/>
+          <p:cNvSpPr/>
+          <p:nvPr/>
+        </p:nvSpPr>
+        <p:spPr>
+          <a:xfrm>
+            <a:off x="6709014" y="2447124"/>
+            <a:ext cx="1129814" cy="747655"/>
+          </a:xfrm>
+          <a:prstGeom prst="rect">
+            <a:avLst/>
+          </a:prstGeom>
+          <a:solidFill>
+            <a:schemeClr val="bg1"/>
+          </a:solidFill>
+          <a:ln>
+            <a:solidFill>
+              <a:schemeClr val="tx1"/>
+            </a:solidFill>
+          </a:ln>
+        </p:spPr>
+        <p:style>
+          <a:lnRef idx="2">
+            <a:schemeClr val="accent1">
+              <a:shade val="50000"/>
+            </a:schemeClr>
+          </a:lnRef>
+          <a:fillRef idx="1">
+            <a:schemeClr val="accent1"/>
+          </a:fillRef>
+          <a:effectRef idx="0">
+            <a:schemeClr val="accent1"/>
+          </a:effectRef>
+          <a:fontRef idx="minor">
+            <a:schemeClr val="lt1"/>
+          </a:fontRef>
+        </p:style>
+        <p:txBody>
+          <a:bodyPr rtlCol="0" anchor="ctr"/>
+          <a:lstStyle/>
+          <a:p>
+            <a:pPr algn="ctr"/>
+            <a:endParaRPr lang="en-US" altLang="ko-KR" dirty="0" smtClean="0">
+              <a:solidFill>
+                <a:schemeClr val="tx1"/>
+              </a:solidFill>
+            </a:endParaRPr>
+          </a:p>
+        </p:txBody>
+      </p:sp>
+      <p:pic>
+        <p:nvPicPr>
+          <p:cNvPr id="47" name="그림 46"/>
+          <p:cNvPicPr>
+            <a:picLocks noChangeAspect="1"/>
+          </p:cNvPicPr>
+          <p:nvPr/>
+        </p:nvPicPr>
+        <p:blipFill>
+          <a:blip r:embed="rId6" cstate="print">
+            <a:extLst>
+              <a:ext uri="{28A0092B-C50C-407E-A947-70E740481C1C}">
+                <a14:useLocalDpi xmlns:a14="http://schemas.microsoft.com/office/drawing/2010/main" val="0"/>
+              </a:ext>
+            </a:extLst>
+          </a:blip>
+          <a:stretch>
+            <a:fillRect/>
+          </a:stretch>
+        </p:blipFill>
+        <p:spPr>
+          <a:xfrm>
+            <a:off x="3230317" y="2503332"/>
+            <a:ext cx="648744" cy="322357"/>
+          </a:xfrm>
+          <a:prstGeom prst="rect">
+            <a:avLst/>
+          </a:prstGeom>
+        </p:spPr>
+      </p:pic>
+      <p:pic>
+        <p:nvPicPr>
+          <p:cNvPr id="48" name="그림 47"/>
+          <p:cNvPicPr>
+            <a:picLocks noChangeAspect="1"/>
+          </p:cNvPicPr>
+          <p:nvPr/>
+        </p:nvPicPr>
+        <p:blipFill>
+          <a:blip r:embed="rId6" cstate="print">
+            <a:extLst>
+              <a:ext uri="{28A0092B-C50C-407E-A947-70E740481C1C}">
+                <a14:useLocalDpi xmlns:a14="http://schemas.microsoft.com/office/drawing/2010/main" val="0"/>
+              </a:ext>
+            </a:extLst>
+          </a:blip>
+          <a:stretch>
+            <a:fillRect/>
+          </a:stretch>
+        </p:blipFill>
+        <p:spPr>
+          <a:xfrm>
+            <a:off x="4432582" y="2501380"/>
+            <a:ext cx="648744" cy="322357"/>
+          </a:xfrm>
+          <a:prstGeom prst="rect">
+            <a:avLst/>
+          </a:prstGeom>
+        </p:spPr>
+      </p:pic>
+      <p:pic>
+        <p:nvPicPr>
+          <p:cNvPr id="49" name="그림 48"/>
+          <p:cNvPicPr>
+            <a:picLocks noChangeAspect="1"/>
+          </p:cNvPicPr>
+          <p:nvPr/>
+        </p:nvPicPr>
+        <p:blipFill>
+          <a:blip r:embed="rId6" cstate="print">
+            <a:extLst>
+              <a:ext uri="{28A0092B-C50C-407E-A947-70E740481C1C}">
+                <a14:useLocalDpi xmlns:a14="http://schemas.microsoft.com/office/drawing/2010/main" val="0"/>
+              </a:ext>
+            </a:extLst>
+          </a:blip>
+          <a:stretch>
+            <a:fillRect/>
+          </a:stretch>
+        </p:blipFill>
+        <p:spPr>
+          <a:xfrm>
+            <a:off x="5733465" y="2511152"/>
+            <a:ext cx="648744" cy="322357"/>
+          </a:xfrm>
+          <a:prstGeom prst="rect">
+            <a:avLst/>
+          </a:prstGeom>
+        </p:spPr>
+      </p:pic>
+      <p:pic>
+        <p:nvPicPr>
+          <p:cNvPr id="50" name="그림 49"/>
+          <p:cNvPicPr>
+            <a:picLocks noChangeAspect="1"/>
+          </p:cNvPicPr>
+          <p:nvPr/>
+        </p:nvPicPr>
+        <p:blipFill>
+          <a:blip r:embed="rId6" cstate="print">
+            <a:extLst>
+              <a:ext uri="{28A0092B-C50C-407E-A947-70E740481C1C}">
+                <a14:useLocalDpi xmlns:a14="http://schemas.microsoft.com/office/drawing/2010/main" val="0"/>
+              </a:ext>
+            </a:extLst>
+          </a:blip>
+          <a:stretch>
+            <a:fillRect/>
+          </a:stretch>
+        </p:blipFill>
+        <p:spPr>
+          <a:xfrm>
+            <a:off x="6962607" y="2491953"/>
+            <a:ext cx="648744" cy="322357"/>
+          </a:xfrm>
+          <a:prstGeom prst="rect">
+            <a:avLst/>
+          </a:prstGeom>
+        </p:spPr>
+      </p:pic>
+      <p:graphicFrame>
+        <p:nvGraphicFramePr>
+          <p:cNvPr id="31" name="표 30"/>
+          <p:cNvGraphicFramePr>
+            <a:graphicFrameLocks noGrp="1"/>
+          </p:cNvGraphicFramePr>
+          <p:nvPr>
+            <p:extLst/>
+          </p:nvPr>
+        </p:nvGraphicFramePr>
+        <p:xfrm>
+          <a:off x="3041453" y="2825993"/>
+          <a:ext cx="1048531" cy="322606"/>
+        </p:xfrm>
+        <a:graphic>
+          <a:graphicData uri="http://schemas.openxmlformats.org/drawingml/2006/table">
+            <a:tbl>
+              <a:tblPr firstRow="1" bandRow="1">
+                <a:tableStyleId>{F5AB1C69-6EDB-4FF4-983F-18BD219EF322}</a:tableStyleId>
+              </a:tblPr>
+              <a:tblGrid>
+                <a:gridCol w="1048531">
+                  <a:extLst>
+                    <a:ext uri="{9D8B030D-6E8A-4147-A177-3AD203B41FA5}">
+                      <a16:colId xmlns:a16="http://schemas.microsoft.com/office/drawing/2014/main" val="2276097553"/>
+                    </a:ext>
+                  </a:extLst>
+                </a:gridCol>
+              </a:tblGrid>
+              <a:tr h="322606">
+                <a:tc>
+                  <a:txBody>
+                    <a:bodyPr/>
+                    <a:lstStyle/>
+                    <a:p>
+                      <a:pPr algn="ctr" latinLnBrk="1"/>
+                      <a:r>
+                        <a:rPr lang="en-US" altLang="ko-KR" sz="1000" dirty="0" err="1" smtClean="0"/>
+                        <a:t>Auth</a:t>
+                      </a:r>
+                      <a:r>
+                        <a:rPr lang="en-US" altLang="ko-KR" sz="1000" dirty="0" smtClean="0"/>
+                        <a:t> daemon</a:t>
+                      </a:r>
+                      <a:endParaRPr lang="ko-KR" altLang="en-US" sz="1000" dirty="0"/>
+                    </a:p>
+                  </a:txBody>
+                  <a:tcPr/>
+                </a:tc>
+                <a:extLst>
+                  <a:ext uri="{0D108BD9-81ED-4DB2-BD59-A6C34878D82A}">
+                    <a16:rowId xmlns:a16="http://schemas.microsoft.com/office/drawing/2014/main" val="2854074796"/>
+                  </a:ext>
+                </a:extLst>
+              </a:tr>
+            </a:tbl>
+          </a:graphicData>
+        </a:graphic>
+      </p:graphicFrame>
+      <p:graphicFrame>
+        <p:nvGraphicFramePr>
+          <p:cNvPr id="34" name="표 33"/>
+          <p:cNvGraphicFramePr>
+            <a:graphicFrameLocks noGrp="1"/>
+          </p:cNvGraphicFramePr>
+          <p:nvPr>
+            <p:extLst/>
+          </p:nvPr>
+        </p:nvGraphicFramePr>
+        <p:xfrm>
+          <a:off x="5622590" y="2838666"/>
+          <a:ext cx="894858" cy="278315"/>
+        </p:xfrm>
+        <a:graphic>
+          <a:graphicData uri="http://schemas.openxmlformats.org/drawingml/2006/table">
+            <a:tbl>
+              <a:tblPr firstRow="1" bandRow="1">
+                <a:tableStyleId>{F5AB1C69-6EDB-4FF4-983F-18BD219EF322}</a:tableStyleId>
+              </a:tblPr>
+              <a:tblGrid>
+                <a:gridCol w="894858">
+                  <a:extLst>
+                    <a:ext uri="{9D8B030D-6E8A-4147-A177-3AD203B41FA5}">
+                      <a16:colId xmlns:a16="http://schemas.microsoft.com/office/drawing/2014/main" val="2276097553"/>
+                    </a:ext>
+                  </a:extLst>
+                </a:gridCol>
+              </a:tblGrid>
+              <a:tr h="278315">
+                <a:tc>
+                  <a:txBody>
+                    <a:bodyPr/>
+                    <a:lstStyle/>
+                    <a:p>
+                      <a:pPr algn="ctr" latinLnBrk="1"/>
+                      <a:r>
+                        <a:rPr lang="en-US" altLang="ko-KR" sz="1200" dirty="0" err="1" smtClean="0"/>
+                        <a:t>Config</a:t>
+                      </a:r>
+                      <a:endParaRPr lang="ko-KR" altLang="en-US" sz="1200" dirty="0"/>
+                    </a:p>
+                  </a:txBody>
+                  <a:tcPr/>
+                </a:tc>
+                <a:extLst>
+                  <a:ext uri="{0D108BD9-81ED-4DB2-BD59-A6C34878D82A}">
+                    <a16:rowId xmlns:a16="http://schemas.microsoft.com/office/drawing/2014/main" val="2854074796"/>
+                  </a:ext>
+                </a:extLst>
+              </a:tr>
+            </a:tbl>
+          </a:graphicData>
+        </a:graphic>
+      </p:graphicFrame>
+      <p:graphicFrame>
+        <p:nvGraphicFramePr>
+          <p:cNvPr id="21" name="표 20"/>
+          <p:cNvGraphicFramePr>
+            <a:graphicFrameLocks noGrp="1"/>
+          </p:cNvGraphicFramePr>
+          <p:nvPr>
+            <p:extLst/>
+          </p:nvPr>
+        </p:nvGraphicFramePr>
+        <p:xfrm>
+          <a:off x="4315271" y="2819271"/>
+          <a:ext cx="929307" cy="322606"/>
+        </p:xfrm>
+        <a:graphic>
+          <a:graphicData uri="http://schemas.openxmlformats.org/drawingml/2006/table">
+            <a:tbl>
+              <a:tblPr firstRow="1" bandRow="1">
+                <a:tableStyleId>{F5AB1C69-6EDB-4FF4-983F-18BD219EF322}</a:tableStyleId>
+              </a:tblPr>
+              <a:tblGrid>
+                <a:gridCol w="929307">
+                  <a:extLst>
+                    <a:ext uri="{9D8B030D-6E8A-4147-A177-3AD203B41FA5}">
+                      <a16:colId xmlns:a16="http://schemas.microsoft.com/office/drawing/2014/main" val="2276097553"/>
+                    </a:ext>
+                  </a:extLst>
+                </a:gridCol>
+              </a:tblGrid>
+              <a:tr h="322606">
+                <a:tc>
+                  <a:txBody>
+                    <a:bodyPr/>
+                    <a:lstStyle/>
+                    <a:p>
+                      <a:pPr algn="ctr" latinLnBrk="1"/>
+                      <a:r>
+                        <a:rPr lang="en-US" altLang="ko-KR" sz="1050" dirty="0" smtClean="0"/>
+                        <a:t>Application</a:t>
+                      </a:r>
+                      <a:endParaRPr lang="ko-KR" altLang="en-US" sz="1050" dirty="0"/>
+                    </a:p>
+                  </a:txBody>
+                  <a:tcPr/>
+                </a:tc>
+                <a:extLst>
+                  <a:ext uri="{0D108BD9-81ED-4DB2-BD59-A6C34878D82A}">
+                    <a16:rowId xmlns:a16="http://schemas.microsoft.com/office/drawing/2014/main" val="2854074796"/>
+                  </a:ext>
+                </a:extLst>
+              </a:tr>
+            </a:tbl>
+          </a:graphicData>
+        </a:graphic>
+      </p:graphicFrame>
+      <p:graphicFrame>
+        <p:nvGraphicFramePr>
+          <p:cNvPr id="28" name="표 27"/>
+          <p:cNvGraphicFramePr>
+            <a:graphicFrameLocks noGrp="1"/>
+          </p:cNvGraphicFramePr>
+          <p:nvPr>
+            <p:extLst/>
+          </p:nvPr>
+        </p:nvGraphicFramePr>
+        <p:xfrm>
+          <a:off x="6872332" y="2828324"/>
+          <a:ext cx="849490" cy="322606"/>
+        </p:xfrm>
+        <a:graphic>
+          <a:graphicData uri="http://schemas.openxmlformats.org/drawingml/2006/table">
+            <a:tbl>
+              <a:tblPr firstRow="1" bandRow="1">
+                <a:tableStyleId>{F5AB1C69-6EDB-4FF4-983F-18BD219EF322}</a:tableStyleId>
+              </a:tblPr>
+              <a:tblGrid>
+                <a:gridCol w="849490">
+                  <a:extLst>
+                    <a:ext uri="{9D8B030D-6E8A-4147-A177-3AD203B41FA5}">
+                      <a16:colId xmlns:a16="http://schemas.microsoft.com/office/drawing/2014/main" val="2276097553"/>
+                    </a:ext>
+                  </a:extLst>
+                </a:gridCol>
+              </a:tblGrid>
+              <a:tr h="322606">
+                <a:tc>
+                  <a:txBody>
+                    <a:bodyPr/>
+                    <a:lstStyle/>
+                    <a:p>
+                      <a:pPr algn="ctr" latinLnBrk="1"/>
+                      <a:r>
+                        <a:rPr lang="en-US" altLang="ko-KR" sz="1200" dirty="0" smtClean="0"/>
+                        <a:t>Batch</a:t>
+                      </a:r>
+                      <a:endParaRPr lang="ko-KR" altLang="en-US" sz="1200" dirty="0"/>
+                    </a:p>
+                  </a:txBody>
+                  <a:tcPr/>
+                </a:tc>
+                <a:extLst>
+                  <a:ext uri="{0D108BD9-81ED-4DB2-BD59-A6C34878D82A}">
+                    <a16:rowId xmlns:a16="http://schemas.microsoft.com/office/drawing/2014/main" val="2854074796"/>
+                  </a:ext>
+                </a:extLst>
+              </a:tr>
+            </a:tbl>
+          </a:graphicData>
+        </a:graphic>
+      </p:graphicFrame>
+      <p:sp>
+        <p:nvSpPr>
+          <p:cNvPr id="2" name="모서리가 둥근 직사각형 1"/>
+          <p:cNvSpPr/>
+          <p:nvPr/>
+        </p:nvSpPr>
+        <p:spPr>
+          <a:xfrm>
+            <a:off x="2906853" y="1916832"/>
+            <a:ext cx="5043433" cy="1359008"/>
+          </a:xfrm>
+          <a:prstGeom prst="roundRect">
+            <a:avLst/>
+          </a:prstGeom>
+          <a:solidFill>
+            <a:schemeClr val="accent5">
+              <a:lumMod val="60000"/>
+              <a:lumOff val="40000"/>
+              <a:alpha val="41000"/>
+            </a:schemeClr>
+          </a:solidFill>
+        </p:spPr>
+        <p:style>
+          <a:lnRef idx="2">
+            <a:schemeClr val="accent1">
+              <a:shade val="50000"/>
+            </a:schemeClr>
+          </a:lnRef>
+          <a:fillRef idx="1">
+            <a:schemeClr val="accent1"/>
+          </a:fillRef>
+          <a:effectRef idx="0">
+            <a:schemeClr val="accent1"/>
+          </a:effectRef>
+          <a:fontRef idx="minor">
+            <a:schemeClr val="lt1"/>
+          </a:fontRef>
+        </p:style>
+        <p:txBody>
+          <a:bodyPr rtlCol="0" anchor="ctr"/>
+          <a:lstStyle/>
+          <a:p>
+            <a:pPr algn="ctr"/>
+            <a:endParaRPr lang="ko-KR" altLang="en-US"/>
+          </a:p>
+        </p:txBody>
+      </p:sp>
+      <p:sp>
+        <p:nvSpPr>
+          <p:cNvPr id="51" name="직사각형 50"/>
+          <p:cNvSpPr/>
+          <p:nvPr/>
+        </p:nvSpPr>
+        <p:spPr>
+          <a:xfrm>
+            <a:off x="4660526" y="1933663"/>
+            <a:ext cx="1756250" cy="307777"/>
+          </a:xfrm>
+          <a:prstGeom prst="rect">
+            <a:avLst/>
+          </a:prstGeom>
+        </p:spPr>
+        <p:txBody>
+          <a:bodyPr wrap="none">
+            <a:spAutoFit/>
+          </a:bodyPr>
+          <a:lstStyle/>
+          <a:p>
+            <a:r>
+              <a:rPr lang="en-US" altLang="ko-KR" sz="1400" b="1" dirty="0" smtClean="0"/>
+              <a:t>Spring Cloud Base</a:t>
+            </a:r>
+            <a:endParaRPr lang="ko-KR" altLang="en-US" sz="1400" b="1" dirty="0"/>
+          </a:p>
+        </p:txBody>
+      </p:sp>
+    </p:spTree>
+    <p:extLst>
+      <p:ext uri="{BB962C8B-B14F-4D97-AF65-F5344CB8AC3E}">
+        <p14:creationId xmlns:p14="http://schemas.microsoft.com/office/powerpoint/2010/main" val="3699342195"/>
       </p:ext>
     </p:extLst>
   </p:cSld>

--- a/개발환경_1Q_ON_Framework.pptx
+++ b/개발환경_1Q_ON_Framework.pptx
@@ -5,11 +5,10 @@
     <p:sldMasterId id="2147483648" r:id="rId1"/>
   </p:sldMasterIdLst>
   <p:notesMasterIdLst>
-    <p:notesMasterId r:id="rId4"/>
+    <p:notesMasterId r:id="rId3"/>
   </p:notesMasterIdLst>
   <p:sldIdLst>
     <p:sldId id="276" r:id="rId2"/>
-    <p:sldId id="277" r:id="rId3"/>
   </p:sldIdLst>
   <p:sldSz cx="9144000" cy="6858000" type="screen4x3"/>
   <p:notesSz cx="6797675" cy="9926638"/>
@@ -554,93 +553,6 @@
     <p:extLst>
       <p:ext uri="{BB962C8B-B14F-4D97-AF65-F5344CB8AC3E}">
         <p14:creationId xmlns:p14="http://schemas.microsoft.com/office/powerpoint/2010/main" val="1885538561"/>
-      </p:ext>
-    </p:extLst>
-  </p:cSld>
-  <p:clrMapOvr>
-    <a:masterClrMapping/>
-  </p:clrMapOvr>
-</p:notes>
-</file>
-
-<file path=ppt/notesSlides/notesSlide2.xml><?xml version="1.0" encoding="utf-8"?>
-<p:notes xmlns:a="http://schemas.openxmlformats.org/drawingml/2006/main" xmlns:r="http://schemas.openxmlformats.org/officeDocument/2006/relationships" xmlns:p="http://schemas.openxmlformats.org/presentationml/2006/main">
-  <p:cSld>
-    <p:spTree>
-      <p:nvGrpSpPr>
-        <p:cNvPr id="1" name=""/>
-        <p:cNvGrpSpPr/>
-        <p:nvPr/>
-      </p:nvGrpSpPr>
-      <p:grpSpPr>
-        <a:xfrm>
-          <a:off x="0" y="0"/>
-          <a:ext cx="0" cy="0"/>
-          <a:chOff x="0" y="0"/>
-          <a:chExt cx="0" cy="0"/>
-        </a:xfrm>
-      </p:grpSpPr>
-      <p:sp>
-        <p:nvSpPr>
-          <p:cNvPr id="2" name="슬라이드 이미지 개체 틀 1"/>
-          <p:cNvSpPr>
-            <a:spLocks noGrp="1" noRot="1" noChangeAspect="1"/>
-          </p:cNvSpPr>
-          <p:nvPr>
-            <p:ph type="sldImg"/>
-          </p:nvPr>
-        </p:nvSpPr>
-        <p:spPr/>
-      </p:sp>
-      <p:sp>
-        <p:nvSpPr>
-          <p:cNvPr id="3" name="슬라이드 노트 개체 틀 2"/>
-          <p:cNvSpPr>
-            <a:spLocks noGrp="1"/>
-          </p:cNvSpPr>
-          <p:nvPr>
-            <p:ph type="body" idx="1"/>
-          </p:nvPr>
-        </p:nvSpPr>
-        <p:spPr/>
-        <p:txBody>
-          <a:bodyPr>
-            <a:normAutofit/>
-          </a:bodyPr>
-          <a:lstStyle/>
-          <a:p>
-            <a:endParaRPr lang="ko-KR" altLang="en-US" dirty="0"/>
-          </a:p>
-        </p:txBody>
-      </p:sp>
-      <p:sp>
-        <p:nvSpPr>
-          <p:cNvPr id="4" name="슬라이드 번호 개체 틀 3"/>
-          <p:cNvSpPr>
-            <a:spLocks noGrp="1"/>
-          </p:cNvSpPr>
-          <p:nvPr>
-            <p:ph type="sldNum" sz="quarter" idx="10"/>
-          </p:nvPr>
-        </p:nvSpPr>
-        <p:spPr/>
-        <p:txBody>
-          <a:bodyPr/>
-          <a:lstStyle/>
-          <a:p>
-            <a:fld id="{E5385C58-A9F4-4804-8856-1C560C54D3A4}" type="slidenum">
-              <a:rPr lang="ko-KR" altLang="en-US" smtClean="0"/>
-              <a:pPr/>
-              <a:t>2</a:t>
-            </a:fld>
-            <a:endParaRPr lang="ko-KR" altLang="en-US"/>
-          </a:p>
-        </p:txBody>
-      </p:sp>
-    </p:spTree>
-    <p:extLst>
-      <p:ext uri="{BB962C8B-B14F-4D97-AF65-F5344CB8AC3E}">
-        <p14:creationId xmlns:p14="http://schemas.microsoft.com/office/powerpoint/2010/main" val="2513978493"/>
       </p:ext>
     </p:extLst>
   </p:cSld>
@@ -5671,2084 +5583,6 @@
     <p:extLst>
       <p:ext uri="{BB962C8B-B14F-4D97-AF65-F5344CB8AC3E}">
         <p14:creationId xmlns:p14="http://schemas.microsoft.com/office/powerpoint/2010/main" val="2352157326"/>
-      </p:ext>
-    </p:extLst>
-  </p:cSld>
-  <p:clrMapOvr>
-    <a:masterClrMapping/>
-  </p:clrMapOvr>
-  <p:timing>
-    <p:tnLst>
-      <p:par>
-        <p:cTn id="1" dur="indefinite" restart="never" nodeType="tmRoot"/>
-      </p:par>
-    </p:tnLst>
-  </p:timing>
-</p:sld>
-</file>
-
-<file path=ppt/slides/slide2.xml><?xml version="1.0" encoding="utf-8"?>
-<p:sld xmlns:a="http://schemas.openxmlformats.org/drawingml/2006/main" xmlns:r="http://schemas.openxmlformats.org/officeDocument/2006/relationships" xmlns:p="http://schemas.openxmlformats.org/presentationml/2006/main">
-  <p:cSld>
-    <p:spTree>
-      <p:nvGrpSpPr>
-        <p:cNvPr id="1" name=""/>
-        <p:cNvGrpSpPr/>
-        <p:nvPr/>
-      </p:nvGrpSpPr>
-      <p:grpSpPr>
-        <a:xfrm>
-          <a:off x="0" y="0"/>
-          <a:ext cx="0" cy="0"/>
-          <a:chOff x="0" y="0"/>
-          <a:chExt cx="0" cy="0"/>
-        </a:xfrm>
-      </p:grpSpPr>
-      <p:sp>
-        <p:nvSpPr>
-          <p:cNvPr id="4" name="직사각형 3"/>
-          <p:cNvSpPr/>
-          <p:nvPr/>
-        </p:nvSpPr>
-        <p:spPr>
-          <a:xfrm>
-            <a:off x="0" y="-27384"/>
-            <a:ext cx="9144000" cy="699843"/>
-          </a:xfrm>
-          <a:prstGeom prst="rect">
-            <a:avLst/>
-          </a:prstGeom>
-          <a:solidFill>
-            <a:schemeClr val="accent5">
-              <a:lumMod val="50000"/>
-            </a:schemeClr>
-          </a:solidFill>
-          <a:ln>
-            <a:noFill/>
-          </a:ln>
-        </p:spPr>
-        <p:style>
-          <a:lnRef idx="2">
-            <a:schemeClr val="accent1">
-              <a:shade val="50000"/>
-            </a:schemeClr>
-          </a:lnRef>
-          <a:fillRef idx="1">
-            <a:schemeClr val="accent1"/>
-          </a:fillRef>
-          <a:effectRef idx="0">
-            <a:schemeClr val="accent1"/>
-          </a:effectRef>
-          <a:fontRef idx="minor">
-            <a:schemeClr val="lt1"/>
-          </a:fontRef>
-        </p:style>
-        <p:txBody>
-          <a:bodyPr rtlCol="0" anchor="ctr"/>
-          <a:lstStyle/>
-          <a:p>
-            <a:pPr algn="ctr"/>
-            <a:endParaRPr lang="ko-KR" altLang="en-US"/>
-          </a:p>
-        </p:txBody>
-      </p:sp>
-      <p:sp>
-        <p:nvSpPr>
-          <p:cNvPr id="5" name="제목 1"/>
-          <p:cNvSpPr>
-            <a:spLocks noGrp="1"/>
-          </p:cNvSpPr>
-          <p:nvPr>
-            <p:ph type="title"/>
-          </p:nvPr>
-        </p:nvSpPr>
-        <p:spPr>
-          <a:xfrm>
-            <a:off x="457200" y="-27384"/>
-            <a:ext cx="8229600" cy="699843"/>
-          </a:xfrm>
-        </p:spPr>
-        <p:txBody>
-          <a:bodyPr>
-            <a:normAutofit/>
-          </a:bodyPr>
-          <a:lstStyle/>
-          <a:p>
-            <a:pPr algn="l"/>
-            <a:r>
-              <a:rPr lang="en-US" altLang="ko-KR" sz="2400" dirty="0" smtClean="0">
-                <a:solidFill>
-                  <a:schemeClr val="bg1"/>
-                </a:solidFill>
-                <a:latin typeface="하나 CM" pitchFamily="18" charset="-127"/>
-                <a:ea typeface="하나 CM" pitchFamily="18" charset="-127"/>
-              </a:rPr>
-              <a:t>1Q </a:t>
-            </a:r>
-            <a:r>
-              <a:rPr lang="en-US" altLang="ko-KR" sz="2400" dirty="0" err="1" smtClean="0">
-                <a:solidFill>
-                  <a:schemeClr val="bg1"/>
-                </a:solidFill>
-                <a:latin typeface="하나 CM" pitchFamily="18" charset="-127"/>
-                <a:ea typeface="하나 CM" pitchFamily="18" charset="-127"/>
-              </a:rPr>
-              <a:t>ON</a:t>
-            </a:r>
-            <a:r>
-              <a:rPr lang="en-US" altLang="ko-KR" sz="2400" dirty="0" err="1">
-                <a:solidFill>
-                  <a:schemeClr val="bg1"/>
-                </a:solidFill>
-                <a:latin typeface="하나 CM" pitchFamily="18" charset="-127"/>
-                <a:ea typeface="하나 CM" pitchFamily="18" charset="-127"/>
-              </a:rPr>
-              <a:t>:</a:t>
-            </a:r>
-            <a:r>
-              <a:rPr lang="en-US" altLang="ko-KR" sz="2400" dirty="0" err="1" smtClean="0">
-                <a:solidFill>
-                  <a:schemeClr val="bg1"/>
-                </a:solidFill>
-                <a:latin typeface="하나 CM" pitchFamily="18" charset="-127"/>
-                <a:ea typeface="하나 CM" pitchFamily="18" charset="-127"/>
-              </a:rPr>
-              <a:t>Framework</a:t>
-            </a:r>
-            <a:endParaRPr lang="ko-KR" altLang="en-US" sz="2400" dirty="0">
-              <a:solidFill>
-                <a:schemeClr val="bg1"/>
-              </a:solidFill>
-              <a:latin typeface="하나 CM" pitchFamily="18" charset="-127"/>
-              <a:ea typeface="하나 CM" pitchFamily="18" charset="-127"/>
-            </a:endParaRPr>
-          </a:p>
-        </p:txBody>
-      </p:sp>
-      <p:sp>
-        <p:nvSpPr>
-          <p:cNvPr id="6" name="직사각형 5"/>
-          <p:cNvSpPr/>
-          <p:nvPr/>
-        </p:nvSpPr>
-        <p:spPr>
-          <a:xfrm>
-            <a:off x="36512" y="4846801"/>
-            <a:ext cx="9144000" cy="1538883"/>
-          </a:xfrm>
-          <a:prstGeom prst="rect">
-            <a:avLst/>
-          </a:prstGeom>
-        </p:spPr>
-        <p:txBody>
-          <a:bodyPr wrap="square">
-            <a:spAutoFit/>
-          </a:bodyPr>
-          <a:lstStyle/>
-          <a:p>
-            <a:pPr marL="342900" lvl="0" indent="-342900">
-              <a:spcBef>
-                <a:spcPts val="300"/>
-              </a:spcBef>
-              <a:spcAft>
-                <a:spcPts val="300"/>
-              </a:spcAft>
-              <a:buFont typeface="Wingdings" panose="05000000000000000000" pitchFamily="2" charset="2"/>
-              <a:buChar char="q"/>
-            </a:pPr>
-            <a:r>
-              <a:rPr lang="ko-KR" altLang="en-US" b="1" dirty="0" smtClean="0">
-                <a:latin typeface="하나 M" panose="02020603020101020101" pitchFamily="18" charset="-127"/>
-                <a:ea typeface="하나 M" panose="02020603020101020101" pitchFamily="18" charset="-127"/>
-              </a:rPr>
-              <a:t>세부 스펙</a:t>
-            </a:r>
-            <a:endParaRPr lang="en-US" altLang="ko-KR" b="1" dirty="0" smtClean="0">
-              <a:latin typeface="하나 M" panose="02020603020101020101" pitchFamily="18" charset="-127"/>
-              <a:ea typeface="하나 M" panose="02020603020101020101" pitchFamily="18" charset="-127"/>
-            </a:endParaRPr>
-          </a:p>
-          <a:p>
-            <a:pPr marL="466090" indent="-285750">
-              <a:spcBef>
-                <a:spcPts val="300"/>
-              </a:spcBef>
-              <a:spcAft>
-                <a:spcPts val="300"/>
-              </a:spcAft>
-              <a:buFontTx/>
-              <a:buChar char="-"/>
-            </a:pPr>
-            <a:r>
-              <a:rPr lang="en-US" altLang="ko-KR" sz="1400" dirty="0" smtClean="0">
-                <a:solidFill>
-                  <a:srgbClr val="0000FF"/>
-                </a:solidFill>
-                <a:latin typeface="하나 M" panose="02020603020101020101" pitchFamily="18" charset="-127"/>
-                <a:ea typeface="하나 M" panose="02020603020101020101" pitchFamily="18" charset="-127"/>
-              </a:rPr>
-              <a:t>Cent OS 7 / Docker 19.3 / Spring boot 2.3 / </a:t>
-            </a:r>
-            <a:r>
-              <a:rPr lang="en-US" altLang="ko-KR" sz="1400" dirty="0" err="1" smtClean="0">
-                <a:solidFill>
-                  <a:srgbClr val="0000FF"/>
-                </a:solidFill>
-                <a:latin typeface="하나 M" panose="02020603020101020101" pitchFamily="18" charset="-127"/>
-                <a:ea typeface="하나 M" panose="02020603020101020101" pitchFamily="18" charset="-127"/>
-              </a:rPr>
-              <a:t>NginX</a:t>
-            </a:r>
-            <a:r>
-              <a:rPr lang="en-US" altLang="ko-KR" sz="1400" dirty="0" smtClean="0">
-                <a:solidFill>
-                  <a:srgbClr val="0000FF"/>
-                </a:solidFill>
-                <a:latin typeface="하나 M" panose="02020603020101020101" pitchFamily="18" charset="-127"/>
-                <a:ea typeface="하나 M" panose="02020603020101020101" pitchFamily="18" charset="-127"/>
-              </a:rPr>
-              <a:t> 1.19 </a:t>
-            </a:r>
-            <a:r>
-              <a:rPr lang="en-US" altLang="ko-KR" sz="1400" dirty="0" err="1" smtClean="0">
-                <a:solidFill>
-                  <a:srgbClr val="0000FF"/>
-                </a:solidFill>
-                <a:latin typeface="하나 M" panose="02020603020101020101" pitchFamily="18" charset="-127"/>
-                <a:ea typeface="하나 M" panose="02020603020101020101" pitchFamily="18" charset="-127"/>
-              </a:rPr>
-              <a:t>ver</a:t>
-            </a:r>
-            <a:endParaRPr lang="en-US" altLang="ko-KR" sz="1400" dirty="0" smtClean="0">
-              <a:solidFill>
-                <a:srgbClr val="0000FF"/>
-              </a:solidFill>
-              <a:latin typeface="하나 M" panose="02020603020101020101" pitchFamily="18" charset="-127"/>
-              <a:ea typeface="하나 M" panose="02020603020101020101" pitchFamily="18" charset="-127"/>
-            </a:endParaRPr>
-          </a:p>
-          <a:p>
-            <a:pPr marL="466090" indent="-285750">
-              <a:spcBef>
-                <a:spcPts val="300"/>
-              </a:spcBef>
-              <a:spcAft>
-                <a:spcPts val="300"/>
-              </a:spcAft>
-              <a:buFontTx/>
-              <a:buChar char="-"/>
-            </a:pPr>
-            <a:r>
-              <a:rPr lang="en-US" altLang="ko-KR" sz="1400" dirty="0" err="1" smtClean="0">
-                <a:solidFill>
-                  <a:srgbClr val="0000FF"/>
-                </a:solidFill>
-                <a:latin typeface="하나 M" panose="02020603020101020101" pitchFamily="18" charset="-127"/>
-                <a:ea typeface="하나 M" panose="02020603020101020101" pitchFamily="18" charset="-127"/>
-              </a:rPr>
-              <a:t>eXbuilder</a:t>
-            </a:r>
-            <a:r>
-              <a:rPr lang="en-US" altLang="ko-KR" sz="1400" dirty="0" smtClean="0">
-                <a:solidFill>
-                  <a:srgbClr val="0000FF"/>
-                </a:solidFill>
-                <a:latin typeface="하나 M" panose="02020603020101020101" pitchFamily="18" charset="-127"/>
-                <a:ea typeface="하나 M" panose="02020603020101020101" pitchFamily="18" charset="-127"/>
-              </a:rPr>
-              <a:t> 6 (UI/UX Framework)</a:t>
-            </a:r>
-          </a:p>
-          <a:p>
-            <a:pPr marL="466090" indent="-285750">
-              <a:spcBef>
-                <a:spcPts val="300"/>
-              </a:spcBef>
-              <a:spcAft>
-                <a:spcPts val="300"/>
-              </a:spcAft>
-              <a:buFontTx/>
-              <a:buChar char="-"/>
-            </a:pPr>
-            <a:r>
-              <a:rPr lang="en-US" altLang="ko-KR" sz="1400" dirty="0" smtClean="0">
-                <a:solidFill>
-                  <a:srgbClr val="0000FF"/>
-                </a:solidFill>
-                <a:latin typeface="하나 M" panose="02020603020101020101" pitchFamily="18" charset="-127"/>
-                <a:ea typeface="하나 M" panose="02020603020101020101" pitchFamily="18" charset="-127"/>
-              </a:rPr>
-              <a:t>Any DB (Oracle, Maria DB, My SQL </a:t>
-            </a:r>
-            <a:r>
-              <a:rPr lang="ko-KR" altLang="en-US" sz="1400" dirty="0" smtClean="0">
-                <a:solidFill>
-                  <a:srgbClr val="0000FF"/>
-                </a:solidFill>
-                <a:latin typeface="하나 M" panose="02020603020101020101" pitchFamily="18" charset="-127"/>
-                <a:ea typeface="하나 M" panose="02020603020101020101" pitchFamily="18" charset="-127"/>
-              </a:rPr>
-              <a:t>등</a:t>
-            </a:r>
-            <a:r>
-              <a:rPr lang="en-US" altLang="ko-KR" sz="1400" dirty="0" smtClean="0">
-                <a:solidFill>
-                  <a:srgbClr val="0000FF"/>
-                </a:solidFill>
-                <a:latin typeface="하나 M" panose="02020603020101020101" pitchFamily="18" charset="-127"/>
-                <a:ea typeface="하나 M" panose="02020603020101020101" pitchFamily="18" charset="-127"/>
-              </a:rPr>
-              <a:t>)</a:t>
-            </a:r>
-          </a:p>
-          <a:p>
-            <a:pPr marL="180340">
-              <a:spcBef>
-                <a:spcPts val="300"/>
-              </a:spcBef>
-              <a:spcAft>
-                <a:spcPts val="300"/>
-              </a:spcAft>
-            </a:pPr>
-            <a:r>
-              <a:rPr lang="en-US" altLang="ko-KR" sz="1400" dirty="0">
-                <a:latin typeface="하나 M" panose="02020603020101020101" pitchFamily="18" charset="-127"/>
-                <a:ea typeface="하나 M" panose="02020603020101020101" pitchFamily="18" charset="-127"/>
-              </a:rPr>
-              <a:t> </a:t>
-            </a:r>
-            <a:r>
-              <a:rPr lang="en-US" altLang="ko-KR" sz="1400" dirty="0" smtClean="0">
-                <a:latin typeface="하나 M" panose="02020603020101020101" pitchFamily="18" charset="-127"/>
-                <a:ea typeface="하나 M" panose="02020603020101020101" pitchFamily="18" charset="-127"/>
-              </a:rPr>
-              <a:t>    </a:t>
-            </a:r>
-          </a:p>
-        </p:txBody>
-      </p:sp>
-      <p:sp>
-        <p:nvSpPr>
-          <p:cNvPr id="7" name="직사각형 6"/>
-          <p:cNvSpPr/>
-          <p:nvPr/>
-        </p:nvSpPr>
-        <p:spPr>
-          <a:xfrm>
-            <a:off x="36212" y="827093"/>
-            <a:ext cx="9107488" cy="1538883"/>
-          </a:xfrm>
-          <a:prstGeom prst="rect">
-            <a:avLst/>
-          </a:prstGeom>
-        </p:spPr>
-        <p:txBody>
-          <a:bodyPr wrap="square">
-            <a:spAutoFit/>
-          </a:bodyPr>
-          <a:lstStyle/>
-          <a:p>
-            <a:pPr marL="342900" lvl="0" indent="-342900">
-              <a:spcBef>
-                <a:spcPts val="300"/>
-              </a:spcBef>
-              <a:spcAft>
-                <a:spcPts val="300"/>
-              </a:spcAft>
-              <a:buFont typeface="Wingdings" panose="05000000000000000000" pitchFamily="2" charset="2"/>
-              <a:buChar char="q"/>
-            </a:pPr>
-            <a:r>
-              <a:rPr lang="en-US" altLang="ko-KR" b="1" dirty="0" smtClean="0">
-                <a:latin typeface="하나 M" panose="02020603020101020101" pitchFamily="18" charset="-127"/>
-                <a:ea typeface="하나 M" panose="02020603020101020101" pitchFamily="18" charset="-127"/>
-              </a:rPr>
-              <a:t>1Q </a:t>
-            </a:r>
-            <a:r>
-              <a:rPr lang="en-US" altLang="ko-KR" b="1" dirty="0" err="1" smtClean="0">
-                <a:latin typeface="하나 M" panose="02020603020101020101" pitchFamily="18" charset="-127"/>
-                <a:ea typeface="하나 M" panose="02020603020101020101" pitchFamily="18" charset="-127"/>
-              </a:rPr>
-              <a:t>ON:Framework</a:t>
-            </a:r>
-            <a:endParaRPr lang="en-US" altLang="ko-KR" b="1" dirty="0" smtClean="0">
-              <a:latin typeface="하나 M" panose="02020603020101020101" pitchFamily="18" charset="-127"/>
-              <a:ea typeface="하나 M" panose="02020603020101020101" pitchFamily="18" charset="-127"/>
-            </a:endParaRPr>
-          </a:p>
-          <a:p>
-            <a:pPr lvl="0">
-              <a:spcBef>
-                <a:spcPts val="300"/>
-              </a:spcBef>
-              <a:spcAft>
-                <a:spcPts val="300"/>
-              </a:spcAft>
-            </a:pPr>
-            <a:r>
-              <a:rPr lang="en-US" altLang="ko-KR" sz="1400" b="1" dirty="0">
-                <a:latin typeface="하나 M" panose="02020603020101020101" pitchFamily="18" charset="-127"/>
-                <a:ea typeface="하나 M" panose="02020603020101020101" pitchFamily="18" charset="-127"/>
-              </a:rPr>
-              <a:t> </a:t>
-            </a:r>
-            <a:r>
-              <a:rPr lang="en-US" altLang="ko-KR" sz="1400" b="1" dirty="0" smtClean="0">
-                <a:latin typeface="하나 M" panose="02020603020101020101" pitchFamily="18" charset="-127"/>
-                <a:ea typeface="하나 M" panose="02020603020101020101" pitchFamily="18" charset="-127"/>
-              </a:rPr>
-              <a:t>  </a:t>
-            </a:r>
-            <a:r>
-              <a:rPr lang="en-US" altLang="ko-KR" sz="1400" dirty="0" smtClean="0">
-                <a:latin typeface="하나 M" panose="02020603020101020101" pitchFamily="18" charset="-127"/>
-                <a:ea typeface="하나 M" panose="02020603020101020101" pitchFamily="18" charset="-127"/>
-              </a:rPr>
-              <a:t>- </a:t>
-            </a:r>
-            <a:r>
-              <a:rPr lang="ko-KR" altLang="en-US" sz="1400" dirty="0" smtClean="0">
-                <a:latin typeface="하나 M" panose="02020603020101020101" pitchFamily="18" charset="-127"/>
-                <a:ea typeface="하나 M" panose="02020603020101020101" pitchFamily="18" charset="-127"/>
-              </a:rPr>
-              <a:t>오픈 소스 기반으로 </a:t>
-            </a:r>
-            <a:r>
-              <a:rPr lang="ko-KR" altLang="en-US" sz="1400" dirty="0" err="1" smtClean="0">
-                <a:latin typeface="하나 M" panose="02020603020101020101" pitchFamily="18" charset="-127"/>
-                <a:ea typeface="하나 M" panose="02020603020101020101" pitchFamily="18" charset="-127"/>
-              </a:rPr>
-              <a:t>클라우드</a:t>
-            </a:r>
-            <a:r>
-              <a:rPr lang="ko-KR" altLang="en-US" sz="1400" dirty="0" smtClean="0">
-                <a:latin typeface="하나 M" panose="02020603020101020101" pitchFamily="18" charset="-127"/>
-                <a:ea typeface="하나 M" panose="02020603020101020101" pitchFamily="18" charset="-127"/>
-              </a:rPr>
-              <a:t> 환경에 최적화 한 </a:t>
-            </a:r>
-            <a:r>
-              <a:rPr lang="en-US" altLang="ko-KR" sz="1400" dirty="0" smtClean="0">
-                <a:latin typeface="하나 M" panose="02020603020101020101" pitchFamily="18" charset="-127"/>
-                <a:ea typeface="하나 M" panose="02020603020101020101" pitchFamily="18" charset="-127"/>
-              </a:rPr>
-              <a:t>Framework </a:t>
-            </a:r>
-            <a:r>
-              <a:rPr lang="ko-KR" altLang="en-US" sz="1400" dirty="0" smtClean="0">
-                <a:latin typeface="하나 M" panose="02020603020101020101" pitchFamily="18" charset="-127"/>
-                <a:ea typeface="하나 M" panose="02020603020101020101" pitchFamily="18" charset="-127"/>
-              </a:rPr>
-              <a:t>구축 완료 </a:t>
-            </a:r>
-            <a:endParaRPr lang="en-US" altLang="ko-KR" sz="1400" dirty="0" smtClean="0">
-              <a:latin typeface="하나 M" panose="02020603020101020101" pitchFamily="18" charset="-127"/>
-              <a:ea typeface="하나 M" panose="02020603020101020101" pitchFamily="18" charset="-127"/>
-            </a:endParaRPr>
-          </a:p>
-          <a:p>
-            <a:pPr lvl="0">
-              <a:spcBef>
-                <a:spcPts val="300"/>
-              </a:spcBef>
-              <a:spcAft>
-                <a:spcPts val="300"/>
-              </a:spcAft>
-            </a:pPr>
-            <a:r>
-              <a:rPr lang="en-US" altLang="ko-KR" sz="1400" dirty="0">
-                <a:latin typeface="하나 M" panose="02020603020101020101" pitchFamily="18" charset="-127"/>
-                <a:ea typeface="하나 M" panose="02020603020101020101" pitchFamily="18" charset="-127"/>
-              </a:rPr>
-              <a:t> </a:t>
-            </a:r>
-            <a:r>
-              <a:rPr lang="en-US" altLang="ko-KR" sz="1400" dirty="0" smtClean="0">
-                <a:latin typeface="하나 M" panose="02020603020101020101" pitchFamily="18" charset="-127"/>
-                <a:ea typeface="하나 M" panose="02020603020101020101" pitchFamily="18" charset="-127"/>
-              </a:rPr>
-              <a:t>  - UI/UX Framework</a:t>
-            </a:r>
-            <a:r>
-              <a:rPr lang="ko-KR" altLang="en-US" sz="1400" dirty="0" smtClean="0">
-                <a:latin typeface="하나 M" panose="02020603020101020101" pitchFamily="18" charset="-127"/>
-                <a:ea typeface="하나 M" panose="02020603020101020101" pitchFamily="18" charset="-127"/>
-              </a:rPr>
-              <a:t>은 </a:t>
-            </a:r>
-            <a:r>
-              <a:rPr lang="en-US" altLang="ko-KR" sz="1400" dirty="0" smtClean="0">
-                <a:latin typeface="하나 M" panose="02020603020101020101" pitchFamily="18" charset="-127"/>
-                <a:ea typeface="하나 M" panose="02020603020101020101" pitchFamily="18" charset="-127"/>
-              </a:rPr>
-              <a:t>TOMATO System</a:t>
-            </a:r>
-            <a:r>
-              <a:rPr lang="ko-KR" altLang="en-US" sz="1400" dirty="0" smtClean="0">
-                <a:latin typeface="하나 M" panose="02020603020101020101" pitchFamily="18" charset="-127"/>
-                <a:ea typeface="하나 M" panose="02020603020101020101" pitchFamily="18" charset="-127"/>
-              </a:rPr>
-              <a:t>과의 협업을 통하여 적용</a:t>
-            </a:r>
-            <a:endParaRPr lang="en-US" altLang="ko-KR" sz="1400" dirty="0" smtClean="0">
-              <a:latin typeface="하나 M" panose="02020603020101020101" pitchFamily="18" charset="-127"/>
-              <a:ea typeface="하나 M" panose="02020603020101020101" pitchFamily="18" charset="-127"/>
-            </a:endParaRPr>
-          </a:p>
-          <a:p>
-            <a:pPr lvl="0">
-              <a:spcBef>
-                <a:spcPts val="300"/>
-              </a:spcBef>
-              <a:spcAft>
-                <a:spcPts val="300"/>
-              </a:spcAft>
-            </a:pPr>
-            <a:r>
-              <a:rPr lang="en-US" altLang="ko-KR" sz="1400" dirty="0">
-                <a:latin typeface="하나 M" panose="02020603020101020101" pitchFamily="18" charset="-127"/>
-                <a:ea typeface="하나 M" panose="02020603020101020101" pitchFamily="18" charset="-127"/>
-              </a:rPr>
-              <a:t> </a:t>
-            </a:r>
-            <a:r>
-              <a:rPr lang="en-US" altLang="ko-KR" sz="1400" dirty="0" smtClean="0">
-                <a:latin typeface="하나 M" panose="02020603020101020101" pitchFamily="18" charset="-127"/>
-                <a:ea typeface="하나 M" panose="02020603020101020101" pitchFamily="18" charset="-127"/>
-              </a:rPr>
-              <a:t>  - </a:t>
-            </a:r>
-            <a:r>
-              <a:rPr lang="ko-KR" altLang="en-US" sz="1400" dirty="0" smtClean="0">
-                <a:latin typeface="하나 M" panose="02020603020101020101" pitchFamily="18" charset="-127"/>
-                <a:ea typeface="하나 M" panose="02020603020101020101" pitchFamily="18" charset="-127"/>
-              </a:rPr>
-              <a:t>구성도</a:t>
-            </a:r>
-            <a:endParaRPr lang="ko-KR" altLang="ko-KR" sz="1400" dirty="0">
-              <a:latin typeface="하나 M" panose="02020603020101020101" pitchFamily="18" charset="-127"/>
-              <a:ea typeface="하나 M" panose="02020603020101020101" pitchFamily="18" charset="-127"/>
-            </a:endParaRPr>
-          </a:p>
-          <a:p>
-            <a:pPr marL="466090" indent="-285750">
-              <a:spcBef>
-                <a:spcPts val="300"/>
-              </a:spcBef>
-              <a:spcAft>
-                <a:spcPts val="300"/>
-              </a:spcAft>
-              <a:buFontTx/>
-              <a:buChar char="-"/>
-            </a:pPr>
-            <a:endParaRPr lang="ko-KR" altLang="ko-KR" sz="1400" dirty="0">
-              <a:latin typeface="하나 M" panose="02020603020101020101" pitchFamily="18" charset="-127"/>
-              <a:ea typeface="하나 M" panose="02020603020101020101" pitchFamily="18" charset="-127"/>
-            </a:endParaRPr>
-          </a:p>
-        </p:txBody>
-      </p:sp>
-      <p:sp>
-        <p:nvSpPr>
-          <p:cNvPr id="8" name="직사각형 7"/>
-          <p:cNvSpPr/>
-          <p:nvPr/>
-        </p:nvSpPr>
-        <p:spPr>
-          <a:xfrm>
-            <a:off x="152080" y="2267728"/>
-            <a:ext cx="8928992" cy="2304256"/>
-          </a:xfrm>
-          <a:prstGeom prst="rect">
-            <a:avLst/>
-          </a:prstGeom>
-          <a:noFill/>
-          <a:ln>
-            <a:solidFill>
-              <a:schemeClr val="tx1"/>
-            </a:solidFill>
-          </a:ln>
-        </p:spPr>
-        <p:style>
-          <a:lnRef idx="2">
-            <a:schemeClr val="accent1">
-              <a:shade val="50000"/>
-            </a:schemeClr>
-          </a:lnRef>
-          <a:fillRef idx="1">
-            <a:schemeClr val="accent1"/>
-          </a:fillRef>
-          <a:effectRef idx="0">
-            <a:schemeClr val="accent1"/>
-          </a:effectRef>
-          <a:fontRef idx="minor">
-            <a:schemeClr val="lt1"/>
-          </a:fontRef>
-        </p:style>
-        <p:txBody>
-          <a:bodyPr rtlCol="0" anchor="ctr"/>
-          <a:lstStyle/>
-          <a:p>
-            <a:pPr algn="ctr"/>
-            <a:endParaRPr lang="ko-KR" altLang="en-US"/>
-          </a:p>
-        </p:txBody>
-      </p:sp>
-      <p:sp>
-        <p:nvSpPr>
-          <p:cNvPr id="9" name="직사각형 8"/>
-          <p:cNvSpPr/>
-          <p:nvPr/>
-        </p:nvSpPr>
-        <p:spPr>
-          <a:xfrm>
-            <a:off x="224087" y="4020062"/>
-            <a:ext cx="8784976" cy="487772"/>
-          </a:xfrm>
-          <a:prstGeom prst="rect">
-            <a:avLst/>
-          </a:prstGeom>
-          <a:solidFill>
-            <a:schemeClr val="bg2">
-              <a:lumMod val="90000"/>
-            </a:schemeClr>
-          </a:solidFill>
-          <a:ln>
-            <a:noFill/>
-          </a:ln>
-        </p:spPr>
-        <p:style>
-          <a:lnRef idx="2">
-            <a:schemeClr val="accent1">
-              <a:shade val="50000"/>
-            </a:schemeClr>
-          </a:lnRef>
-          <a:fillRef idx="1">
-            <a:schemeClr val="accent1"/>
-          </a:fillRef>
-          <a:effectRef idx="0">
-            <a:schemeClr val="accent1"/>
-          </a:effectRef>
-          <a:fontRef idx="minor">
-            <a:schemeClr val="lt1"/>
-          </a:fontRef>
-        </p:style>
-        <p:txBody>
-          <a:bodyPr rtlCol="0" anchor="ctr"/>
-          <a:lstStyle/>
-          <a:p>
-            <a:pPr algn="ctr"/>
-            <a:r>
-              <a:rPr lang="en-US" altLang="ko-KR" dirty="0" smtClean="0"/>
-              <a:t>Open OS</a:t>
-            </a:r>
-            <a:endParaRPr lang="ko-KR" altLang="en-US" dirty="0"/>
-          </a:p>
-        </p:txBody>
-      </p:sp>
-      <p:grpSp>
-        <p:nvGrpSpPr>
-          <p:cNvPr id="10" name="그룹 9"/>
-          <p:cNvGrpSpPr/>
-          <p:nvPr/>
-        </p:nvGrpSpPr>
-        <p:grpSpPr>
-          <a:xfrm>
-            <a:off x="1592239" y="2322046"/>
-            <a:ext cx="6538052" cy="1634508"/>
-            <a:chOff x="2009841" y="872834"/>
-            <a:chExt cx="9619664" cy="4239491"/>
-          </a:xfrm>
-        </p:grpSpPr>
-        <p:sp>
-          <p:nvSpPr>
-            <p:cNvPr id="12" name="직사각형 11"/>
-            <p:cNvSpPr/>
-            <p:nvPr/>
-          </p:nvSpPr>
-          <p:spPr>
-            <a:xfrm>
-              <a:off x="2009841" y="4522121"/>
-              <a:ext cx="9619664" cy="590204"/>
-            </a:xfrm>
-            <a:prstGeom prst="rect">
-              <a:avLst/>
-            </a:prstGeom>
-            <a:solidFill>
-              <a:schemeClr val="bg2">
-                <a:lumMod val="75000"/>
-              </a:schemeClr>
-            </a:solidFill>
-            <a:ln>
-              <a:noFill/>
-            </a:ln>
-          </p:spPr>
-          <p:style>
-            <a:lnRef idx="2">
-              <a:schemeClr val="accent1">
-                <a:shade val="50000"/>
-              </a:schemeClr>
-            </a:lnRef>
-            <a:fillRef idx="1">
-              <a:schemeClr val="accent1"/>
-            </a:fillRef>
-            <a:effectRef idx="0">
-              <a:schemeClr val="accent1"/>
-            </a:effectRef>
-            <a:fontRef idx="minor">
-              <a:schemeClr val="lt1"/>
-            </a:fontRef>
-          </p:style>
-          <p:txBody>
-            <a:bodyPr rtlCol="0" anchor="ctr"/>
-            <a:lstStyle/>
-            <a:p>
-              <a:pPr algn="ctr"/>
-              <a:r>
-                <a:rPr lang="en-US" altLang="ko-KR" b="1" dirty="0" smtClean="0"/>
-                <a:t>Docker</a:t>
-              </a:r>
-              <a:endParaRPr lang="ko-KR" altLang="en-US" b="1" dirty="0"/>
-            </a:p>
-          </p:txBody>
-        </p:sp>
-        <p:sp>
-          <p:nvSpPr>
-            <p:cNvPr id="13" name="직사각형 12"/>
-            <p:cNvSpPr/>
-            <p:nvPr/>
-          </p:nvSpPr>
-          <p:spPr>
-            <a:xfrm>
-              <a:off x="2027374" y="872834"/>
-              <a:ext cx="9586028" cy="3657600"/>
-            </a:xfrm>
-            <a:prstGeom prst="rect">
-              <a:avLst/>
-            </a:prstGeom>
-            <a:solidFill>
-              <a:schemeClr val="bg2">
-                <a:lumMod val="90000"/>
-              </a:schemeClr>
-            </a:solidFill>
-            <a:ln w="38100">
-              <a:solidFill>
-                <a:schemeClr val="bg2">
-                  <a:lumMod val="75000"/>
-                </a:schemeClr>
-              </a:solidFill>
-            </a:ln>
-          </p:spPr>
-          <p:style>
-            <a:lnRef idx="2">
-              <a:schemeClr val="accent1">
-                <a:shade val="50000"/>
-              </a:schemeClr>
-            </a:lnRef>
-            <a:fillRef idx="1">
-              <a:schemeClr val="accent1"/>
-            </a:fillRef>
-            <a:effectRef idx="0">
-              <a:schemeClr val="accent1"/>
-            </a:effectRef>
-            <a:fontRef idx="minor">
-              <a:schemeClr val="lt1"/>
-            </a:fontRef>
-          </p:style>
-          <p:txBody>
-            <a:bodyPr rtlCol="0" anchor="ctr"/>
-            <a:lstStyle/>
-            <a:p>
-              <a:pPr algn="ctr"/>
-              <a:endParaRPr lang="ko-KR" altLang="en-US"/>
-            </a:p>
-          </p:txBody>
-        </p:sp>
-      </p:grpSp>
-      <p:sp>
-        <p:nvSpPr>
-          <p:cNvPr id="14" name="직사각형 13"/>
-          <p:cNvSpPr/>
-          <p:nvPr/>
-        </p:nvSpPr>
-        <p:spPr>
-          <a:xfrm>
-            <a:off x="1664247" y="2391516"/>
-            <a:ext cx="6249463" cy="1229523"/>
-          </a:xfrm>
-          <a:prstGeom prst="rect">
-            <a:avLst/>
-          </a:prstGeom>
-          <a:solidFill>
-            <a:schemeClr val="accent4">
-              <a:lumMod val="20000"/>
-              <a:lumOff val="80000"/>
-            </a:schemeClr>
-          </a:solidFill>
-          <a:ln w="28575">
-            <a:solidFill>
-              <a:schemeClr val="accent4">
-                <a:lumMod val="75000"/>
-              </a:schemeClr>
-            </a:solidFill>
-          </a:ln>
-        </p:spPr>
-        <p:style>
-          <a:lnRef idx="2">
-            <a:schemeClr val="accent1">
-              <a:shade val="50000"/>
-            </a:schemeClr>
-          </a:lnRef>
-          <a:fillRef idx="1">
-            <a:schemeClr val="accent1"/>
-          </a:fillRef>
-          <a:effectRef idx="0">
-            <a:schemeClr val="accent1"/>
-          </a:effectRef>
-          <a:fontRef idx="minor">
-            <a:schemeClr val="lt1"/>
-          </a:fontRef>
-        </p:style>
-        <p:txBody>
-          <a:bodyPr rtlCol="0" anchor="ctr"/>
-          <a:lstStyle/>
-          <a:p>
-            <a:pPr algn="ctr"/>
-            <a:endParaRPr lang="en-US" altLang="ko-KR" dirty="0" smtClean="0"/>
-          </a:p>
-          <a:p>
-            <a:pPr algn="ctr"/>
-            <a:endParaRPr lang="en-US" altLang="ko-KR" dirty="0"/>
-          </a:p>
-          <a:p>
-            <a:pPr algn="ctr"/>
-            <a:endParaRPr lang="en-US" altLang="ko-KR" dirty="0" smtClean="0"/>
-          </a:p>
-          <a:p>
-            <a:pPr algn="ctr"/>
-            <a:r>
-              <a:rPr lang="en-US" altLang="ko-KR" b="1" dirty="0" err="1" smtClean="0">
-                <a:solidFill>
-                  <a:schemeClr val="tx1"/>
-                </a:solidFill>
-              </a:rPr>
-              <a:t>docker</a:t>
-            </a:r>
-            <a:r>
-              <a:rPr lang="en-US" altLang="ko-KR" b="1" dirty="0" smtClean="0">
-                <a:solidFill>
-                  <a:schemeClr val="tx1"/>
-                </a:solidFill>
-              </a:rPr>
-              <a:t>-compose</a:t>
-            </a:r>
-            <a:endParaRPr lang="ko-KR" altLang="en-US" b="1" dirty="0">
-              <a:solidFill>
-                <a:schemeClr val="tx1"/>
-              </a:solidFill>
-            </a:endParaRPr>
-          </a:p>
-        </p:txBody>
-      </p:sp>
-      <p:sp>
-        <p:nvSpPr>
-          <p:cNvPr id="15" name="직사각형 14"/>
-          <p:cNvSpPr/>
-          <p:nvPr/>
-        </p:nvSpPr>
-        <p:spPr>
-          <a:xfrm>
-            <a:off x="1740463" y="2447124"/>
-            <a:ext cx="1129814" cy="747655"/>
-          </a:xfrm>
-          <a:prstGeom prst="rect">
-            <a:avLst/>
-          </a:prstGeom>
-          <a:solidFill>
-            <a:schemeClr val="bg1"/>
-          </a:solidFill>
-          <a:ln>
-            <a:solidFill>
-              <a:schemeClr val="tx1"/>
-            </a:solidFill>
-          </a:ln>
-        </p:spPr>
-        <p:style>
-          <a:lnRef idx="2">
-            <a:schemeClr val="accent1">
-              <a:shade val="50000"/>
-            </a:schemeClr>
-          </a:lnRef>
-          <a:fillRef idx="1">
-            <a:schemeClr val="accent1"/>
-          </a:fillRef>
-          <a:effectRef idx="0">
-            <a:schemeClr val="accent1"/>
-          </a:effectRef>
-          <a:fontRef idx="minor">
-            <a:schemeClr val="lt1"/>
-          </a:fontRef>
-        </p:style>
-        <p:txBody>
-          <a:bodyPr rtlCol="0" anchor="ctr"/>
-          <a:lstStyle/>
-          <a:p>
-            <a:pPr algn="ctr"/>
-            <a:endParaRPr lang="en-US" altLang="ko-KR" dirty="0" smtClean="0">
-              <a:solidFill>
-                <a:schemeClr val="tx1"/>
-              </a:solidFill>
-            </a:endParaRPr>
-          </a:p>
-        </p:txBody>
-      </p:sp>
-      <p:pic>
-        <p:nvPicPr>
-          <p:cNvPr id="18" name="그림 17"/>
-          <p:cNvPicPr>
-            <a:picLocks noChangeAspect="1"/>
-          </p:cNvPicPr>
-          <p:nvPr/>
-        </p:nvPicPr>
-        <p:blipFill>
-          <a:blip r:embed="rId3" cstate="print">
-            <a:extLst>
-              <a:ext uri="{28A0092B-C50C-407E-A947-70E740481C1C}">
-                <a14:useLocalDpi xmlns:a14="http://schemas.microsoft.com/office/drawing/2010/main" val="0"/>
-              </a:ext>
-            </a:extLst>
-          </a:blip>
-          <a:stretch>
-            <a:fillRect/>
-          </a:stretch>
-        </p:blipFill>
-        <p:spPr>
-          <a:xfrm>
-            <a:off x="1985479" y="2534647"/>
-            <a:ext cx="674493" cy="246622"/>
-          </a:xfrm>
-          <a:prstGeom prst="rect">
-            <a:avLst/>
-          </a:prstGeom>
-        </p:spPr>
-      </p:pic>
-      <p:graphicFrame>
-        <p:nvGraphicFramePr>
-          <p:cNvPr id="19" name="표 18"/>
-          <p:cNvGraphicFramePr>
-            <a:graphicFrameLocks noGrp="1"/>
-          </p:cNvGraphicFramePr>
-          <p:nvPr>
-            <p:extLst/>
-          </p:nvPr>
-        </p:nvGraphicFramePr>
-        <p:xfrm>
-          <a:off x="1876291" y="2825686"/>
-          <a:ext cx="879564" cy="322606"/>
-        </p:xfrm>
-        <a:graphic>
-          <a:graphicData uri="http://schemas.openxmlformats.org/drawingml/2006/table">
-            <a:tbl>
-              <a:tblPr firstRow="1" bandRow="1">
-                <a:tableStyleId>{F5AB1C69-6EDB-4FF4-983F-18BD219EF322}</a:tableStyleId>
-              </a:tblPr>
-              <a:tblGrid>
-                <a:gridCol w="879564">
-                  <a:extLst>
-                    <a:ext uri="{9D8B030D-6E8A-4147-A177-3AD203B41FA5}">
-                      <a16:colId xmlns:a16="http://schemas.microsoft.com/office/drawing/2014/main" val="2276097553"/>
-                    </a:ext>
-                  </a:extLst>
-                </a:gridCol>
-              </a:tblGrid>
-              <a:tr h="322606">
-                <a:tc>
-                  <a:txBody>
-                    <a:bodyPr/>
-                    <a:lstStyle/>
-                    <a:p>
-                      <a:pPr algn="ctr" latinLnBrk="1"/>
-                      <a:r>
-                        <a:rPr lang="en-US" altLang="ko-KR" sz="1200" dirty="0" smtClean="0">
-                          <a:solidFill>
-                            <a:schemeClr val="bg1"/>
-                          </a:solidFill>
-                        </a:rPr>
-                        <a:t>Web</a:t>
-                      </a:r>
-                      <a:endParaRPr lang="ko-KR" altLang="en-US" sz="1200" dirty="0">
-                        <a:solidFill>
-                          <a:schemeClr val="bg1"/>
-                        </a:solidFill>
-                      </a:endParaRPr>
-                    </a:p>
-                  </a:txBody>
-                  <a:tcPr/>
-                </a:tc>
-                <a:extLst>
-                  <a:ext uri="{0D108BD9-81ED-4DB2-BD59-A6C34878D82A}">
-                    <a16:rowId xmlns:a16="http://schemas.microsoft.com/office/drawing/2014/main" val="2854074796"/>
-                  </a:ext>
-                </a:extLst>
-              </a:tr>
-            </a:tbl>
-          </a:graphicData>
-        </a:graphic>
-      </p:graphicFrame>
-      <p:sp>
-        <p:nvSpPr>
-          <p:cNvPr id="22" name="직사각형 21"/>
-          <p:cNvSpPr/>
-          <p:nvPr/>
-        </p:nvSpPr>
-        <p:spPr>
-          <a:xfrm>
-            <a:off x="239179" y="2339736"/>
-            <a:ext cx="1319324" cy="348989"/>
-          </a:xfrm>
-          <a:prstGeom prst="rect">
-            <a:avLst/>
-          </a:prstGeom>
-          <a:solidFill>
-            <a:schemeClr val="accent2">
-              <a:lumMod val="20000"/>
-              <a:lumOff val="80000"/>
-            </a:schemeClr>
-          </a:solidFill>
-          <a:ln>
-            <a:noFill/>
-          </a:ln>
-        </p:spPr>
-        <p:style>
-          <a:lnRef idx="2">
-            <a:schemeClr val="accent1">
-              <a:shade val="50000"/>
-            </a:schemeClr>
-          </a:lnRef>
-          <a:fillRef idx="1">
-            <a:schemeClr val="accent1"/>
-          </a:fillRef>
-          <a:effectRef idx="0">
-            <a:schemeClr val="accent1"/>
-          </a:effectRef>
-          <a:fontRef idx="minor">
-            <a:schemeClr val="lt1"/>
-          </a:fontRef>
-        </p:style>
-        <p:txBody>
-          <a:bodyPr rtlCol="0" anchor="ctr"/>
-          <a:lstStyle/>
-          <a:p>
-            <a:pPr algn="ctr"/>
-            <a:r>
-              <a:rPr lang="en-US" altLang="ko-KR" sz="1100" dirty="0" err="1" smtClean="0">
-                <a:solidFill>
-                  <a:schemeClr val="tx1"/>
-                </a:solidFill>
-                <a:latin typeface="하나 L" panose="02020603020101020101" pitchFamily="18" charset="-127"/>
-                <a:ea typeface="하나 L" panose="02020603020101020101" pitchFamily="18" charset="-127"/>
-              </a:rPr>
-              <a:t>eXbuilder</a:t>
-            </a:r>
-            <a:endParaRPr lang="en-US" altLang="ko-KR" sz="1100" dirty="0">
-              <a:solidFill>
-                <a:schemeClr val="tx1"/>
-              </a:solidFill>
-              <a:latin typeface="하나 L" panose="02020603020101020101" pitchFamily="18" charset="-127"/>
-              <a:ea typeface="하나 L" panose="02020603020101020101" pitchFamily="18" charset="-127"/>
-            </a:endParaRPr>
-          </a:p>
-          <a:p>
-            <a:pPr algn="ctr"/>
-            <a:r>
-              <a:rPr lang="en-US" altLang="ko-KR" sz="1100" dirty="0" smtClean="0">
-                <a:solidFill>
-                  <a:schemeClr val="tx1"/>
-                </a:solidFill>
-                <a:latin typeface="하나 L" panose="02020603020101020101" pitchFamily="18" charset="-127"/>
-                <a:ea typeface="하나 L" panose="02020603020101020101" pitchFamily="18" charset="-127"/>
-              </a:rPr>
-              <a:t>html</a:t>
-            </a:r>
-            <a:endParaRPr lang="ko-KR" altLang="en-US" sz="1100" dirty="0">
-              <a:solidFill>
-                <a:schemeClr val="tx1"/>
-              </a:solidFill>
-              <a:latin typeface="하나 L" panose="02020603020101020101" pitchFamily="18" charset="-127"/>
-              <a:ea typeface="하나 L" panose="02020603020101020101" pitchFamily="18" charset="-127"/>
-            </a:endParaRPr>
-          </a:p>
-        </p:txBody>
-      </p:sp>
-      <p:sp>
-        <p:nvSpPr>
-          <p:cNvPr id="23" name="직사각형 22"/>
-          <p:cNvSpPr/>
-          <p:nvPr/>
-        </p:nvSpPr>
-        <p:spPr>
-          <a:xfrm>
-            <a:off x="224087" y="2771804"/>
-            <a:ext cx="1319324" cy="348989"/>
-          </a:xfrm>
-          <a:prstGeom prst="rect">
-            <a:avLst/>
-          </a:prstGeom>
-          <a:solidFill>
-            <a:schemeClr val="accent2">
-              <a:lumMod val="20000"/>
-              <a:lumOff val="80000"/>
-            </a:schemeClr>
-          </a:solidFill>
-          <a:ln>
-            <a:noFill/>
-          </a:ln>
-        </p:spPr>
-        <p:style>
-          <a:lnRef idx="2">
-            <a:schemeClr val="accent1">
-              <a:shade val="50000"/>
-            </a:schemeClr>
-          </a:lnRef>
-          <a:fillRef idx="1">
-            <a:schemeClr val="accent1"/>
-          </a:fillRef>
-          <a:effectRef idx="0">
-            <a:schemeClr val="accent1"/>
-          </a:effectRef>
-          <a:fontRef idx="minor">
-            <a:schemeClr val="lt1"/>
-          </a:fontRef>
-        </p:style>
-        <p:txBody>
-          <a:bodyPr rtlCol="0" anchor="ctr"/>
-          <a:lstStyle/>
-          <a:p>
-            <a:pPr algn="ctr"/>
-            <a:r>
-              <a:rPr lang="en-US" altLang="ko-KR" sz="1100" dirty="0" smtClean="0">
-                <a:solidFill>
-                  <a:schemeClr val="tx1"/>
-                </a:solidFill>
-                <a:latin typeface="하나 L" panose="02020603020101020101" pitchFamily="18" charset="-127"/>
-                <a:ea typeface="하나 L" panose="02020603020101020101" pitchFamily="18" charset="-127"/>
-              </a:rPr>
-              <a:t>Nginx </a:t>
-            </a:r>
-            <a:r>
-              <a:rPr lang="en-US" altLang="ko-KR" sz="1100" dirty="0" err="1" smtClean="0">
-                <a:solidFill>
-                  <a:schemeClr val="tx1"/>
-                </a:solidFill>
-                <a:latin typeface="하나 L" panose="02020603020101020101" pitchFamily="18" charset="-127"/>
-                <a:ea typeface="하나 L" panose="02020603020101020101" pitchFamily="18" charset="-127"/>
-              </a:rPr>
-              <a:t>Config</a:t>
-            </a:r>
-            <a:endParaRPr lang="ko-KR" altLang="en-US" sz="1100" dirty="0">
-              <a:solidFill>
-                <a:schemeClr val="tx1"/>
-              </a:solidFill>
-              <a:latin typeface="하나 L" panose="02020603020101020101" pitchFamily="18" charset="-127"/>
-              <a:ea typeface="하나 L" panose="02020603020101020101" pitchFamily="18" charset="-127"/>
-            </a:endParaRPr>
-          </a:p>
-        </p:txBody>
-      </p:sp>
-      <p:sp>
-        <p:nvSpPr>
-          <p:cNvPr id="24" name="직사각형 23"/>
-          <p:cNvSpPr/>
-          <p:nvPr/>
-        </p:nvSpPr>
-        <p:spPr>
-          <a:xfrm>
-            <a:off x="239179" y="3179904"/>
-            <a:ext cx="1319324" cy="348989"/>
-          </a:xfrm>
-          <a:prstGeom prst="rect">
-            <a:avLst/>
-          </a:prstGeom>
-          <a:solidFill>
-            <a:schemeClr val="accent2">
-              <a:lumMod val="20000"/>
-              <a:lumOff val="80000"/>
-            </a:schemeClr>
-          </a:solidFill>
-          <a:ln>
-            <a:noFill/>
-          </a:ln>
-        </p:spPr>
-        <p:style>
-          <a:lnRef idx="2">
-            <a:schemeClr val="accent1">
-              <a:shade val="50000"/>
-            </a:schemeClr>
-          </a:lnRef>
-          <a:fillRef idx="1">
-            <a:schemeClr val="accent1"/>
-          </a:fillRef>
-          <a:effectRef idx="0">
-            <a:schemeClr val="accent1"/>
-          </a:effectRef>
-          <a:fontRef idx="minor">
-            <a:schemeClr val="lt1"/>
-          </a:fontRef>
-        </p:style>
-        <p:txBody>
-          <a:bodyPr rtlCol="0" anchor="ctr"/>
-          <a:lstStyle/>
-          <a:p>
-            <a:pPr algn="ctr"/>
-            <a:r>
-              <a:rPr lang="en-US" altLang="ko-KR" sz="1100" dirty="0" smtClean="0">
-                <a:solidFill>
-                  <a:schemeClr val="tx1"/>
-                </a:solidFill>
-                <a:latin typeface="하나 L" panose="02020603020101020101" pitchFamily="18" charset="-127"/>
-                <a:ea typeface="하나 L" panose="02020603020101020101" pitchFamily="18" charset="-127"/>
-              </a:rPr>
-              <a:t>Logs</a:t>
-            </a:r>
-            <a:endParaRPr lang="ko-KR" altLang="en-US" sz="1100" dirty="0">
-              <a:solidFill>
-                <a:schemeClr val="tx1"/>
-              </a:solidFill>
-              <a:latin typeface="하나 L" panose="02020603020101020101" pitchFamily="18" charset="-127"/>
-              <a:ea typeface="하나 L" panose="02020603020101020101" pitchFamily="18" charset="-127"/>
-            </a:endParaRPr>
-          </a:p>
-        </p:txBody>
-      </p:sp>
-      <p:sp>
-        <p:nvSpPr>
-          <p:cNvPr id="25" name="직사각형 24"/>
-          <p:cNvSpPr/>
-          <p:nvPr/>
-        </p:nvSpPr>
-        <p:spPr>
-          <a:xfrm>
-            <a:off x="235093" y="3611994"/>
-            <a:ext cx="1319324" cy="348989"/>
-          </a:xfrm>
-          <a:prstGeom prst="rect">
-            <a:avLst/>
-          </a:prstGeom>
-          <a:solidFill>
-            <a:schemeClr val="accent2">
-              <a:lumMod val="20000"/>
-              <a:lumOff val="80000"/>
-            </a:schemeClr>
-          </a:solidFill>
-          <a:ln>
-            <a:noFill/>
-          </a:ln>
-        </p:spPr>
-        <p:style>
-          <a:lnRef idx="2">
-            <a:schemeClr val="accent1">
-              <a:shade val="50000"/>
-            </a:schemeClr>
-          </a:lnRef>
-          <a:fillRef idx="1">
-            <a:schemeClr val="accent1"/>
-          </a:fillRef>
-          <a:effectRef idx="0">
-            <a:schemeClr val="accent1"/>
-          </a:effectRef>
-          <a:fontRef idx="minor">
-            <a:schemeClr val="lt1"/>
-          </a:fontRef>
-        </p:style>
-        <p:txBody>
-          <a:bodyPr rtlCol="0" anchor="ctr"/>
-          <a:lstStyle/>
-          <a:p>
-            <a:pPr algn="ctr"/>
-            <a:r>
-              <a:rPr lang="en-US" altLang="ko-KR" sz="1100" dirty="0" smtClean="0">
-                <a:solidFill>
-                  <a:schemeClr val="tx1"/>
-                </a:solidFill>
-                <a:latin typeface="하나 L" panose="02020603020101020101" pitchFamily="18" charset="-127"/>
-                <a:ea typeface="하나 L" panose="02020603020101020101" pitchFamily="18" charset="-127"/>
-              </a:rPr>
-              <a:t>DB</a:t>
-            </a:r>
-            <a:endParaRPr lang="ko-KR" altLang="en-US" sz="1100" dirty="0">
-              <a:solidFill>
-                <a:schemeClr val="tx1"/>
-              </a:solidFill>
-              <a:latin typeface="하나 L" panose="02020603020101020101" pitchFamily="18" charset="-127"/>
-              <a:ea typeface="하나 L" panose="02020603020101020101" pitchFamily="18" charset="-127"/>
-            </a:endParaRPr>
-          </a:p>
-        </p:txBody>
-      </p:sp>
-      <p:graphicFrame>
-        <p:nvGraphicFramePr>
-          <p:cNvPr id="37" name="표 36"/>
-          <p:cNvGraphicFramePr>
-            <a:graphicFrameLocks noGrp="1"/>
-          </p:cNvGraphicFramePr>
-          <p:nvPr>
-            <p:extLst/>
-          </p:nvPr>
-        </p:nvGraphicFramePr>
-        <p:xfrm>
-          <a:off x="8191399" y="3457290"/>
-          <a:ext cx="817664" cy="322606"/>
-        </p:xfrm>
-        <a:graphic>
-          <a:graphicData uri="http://schemas.openxmlformats.org/drawingml/2006/table">
-            <a:tbl>
-              <a:tblPr firstRow="1" bandRow="1">
-                <a:tableStyleId>{F5AB1C69-6EDB-4FF4-983F-18BD219EF322}</a:tableStyleId>
-              </a:tblPr>
-              <a:tblGrid>
-                <a:gridCol w="817664">
-                  <a:extLst>
-                    <a:ext uri="{9D8B030D-6E8A-4147-A177-3AD203B41FA5}">
-                      <a16:colId xmlns:a16="http://schemas.microsoft.com/office/drawing/2014/main" val="2276097553"/>
-                    </a:ext>
-                  </a:extLst>
-                </a:gridCol>
-              </a:tblGrid>
-              <a:tr h="322606">
-                <a:tc>
-                  <a:txBody>
-                    <a:bodyPr/>
-                    <a:lstStyle/>
-                    <a:p>
-                      <a:pPr algn="ctr" latinLnBrk="1"/>
-                      <a:r>
-                        <a:rPr lang="en-US" altLang="ko-KR" sz="1200" dirty="0" smtClean="0"/>
-                        <a:t>Any DB</a:t>
-                      </a:r>
-                      <a:endParaRPr lang="ko-KR" altLang="en-US" sz="1200" dirty="0"/>
-                    </a:p>
-                  </a:txBody>
-                  <a:tcPr/>
-                </a:tc>
-                <a:extLst>
-                  <a:ext uri="{0D108BD9-81ED-4DB2-BD59-A6C34878D82A}">
-                    <a16:rowId xmlns:a16="http://schemas.microsoft.com/office/drawing/2014/main" val="2854074796"/>
-                  </a:ext>
-                </a:extLst>
-              </a:tr>
-            </a:tbl>
-          </a:graphicData>
-        </a:graphic>
-      </p:graphicFrame>
-      <p:pic>
-        <p:nvPicPr>
-          <p:cNvPr id="41" name="Picture 13" descr="Picture43"/>
-          <p:cNvPicPr preferRelativeResize="0">
-            <a:picLocks noChangeArrowheads="1"/>
-          </p:cNvPicPr>
-          <p:nvPr/>
-        </p:nvPicPr>
-        <p:blipFill>
-          <a:blip r:embed="rId4" cstate="print">
-            <a:duotone>
-              <a:schemeClr val="accent6">
-                <a:shade val="45000"/>
-                <a:satMod val="135000"/>
-              </a:schemeClr>
-              <a:prstClr val="white"/>
-            </a:duotone>
-            <a:extLst>
-              <a:ext uri="{BEBA8EAE-BF5A-486C-A8C5-ECC9F3942E4B}">
-                <a14:imgProps xmlns:a14="http://schemas.microsoft.com/office/drawing/2010/main">
-                  <a14:imgLayer r:embed="rId5">
-                    <a14:imgEffect>
-                      <a14:colorTemperature colorTemp="4700"/>
-                    </a14:imgEffect>
-                    <a14:imgEffect>
-                      <a14:saturation sat="0"/>
-                    </a14:imgEffect>
-                    <a14:imgEffect>
-                      <a14:brightnessContrast bright="-40000" contrast="40000"/>
-                    </a14:imgEffect>
-                  </a14:imgLayer>
-                </a14:imgProps>
-              </a:ext>
-              <a:ext uri="{28A0092B-C50C-407E-A947-70E740481C1C}">
-                <a14:useLocalDpi xmlns:a14="http://schemas.microsoft.com/office/drawing/2010/main" val="0"/>
-              </a:ext>
-            </a:extLst>
-          </a:blip>
-          <a:srcRect/>
-          <a:stretch>
-            <a:fillRect/>
-          </a:stretch>
-        </p:blipFill>
-        <p:spPr bwMode="auto">
-          <a:xfrm>
-            <a:off x="8360991" y="2688176"/>
-            <a:ext cx="442392" cy="587664"/>
-          </a:xfrm>
-          <a:prstGeom prst="rect">
-            <a:avLst/>
-          </a:prstGeom>
-          <a:noFill/>
-          <a:ln>
-            <a:noFill/>
-          </a:ln>
-          <a:extLst>
-            <a:ext uri="{909E8E84-426E-40DD-AFC4-6F175D3DCCD1}">
-              <a14:hiddenFill xmlns:a14="http://schemas.microsoft.com/office/drawing/2010/main">
-                <a:solidFill>
-                  <a:srgbClr val="FFFFFF"/>
-                </a:solidFill>
-              </a14:hiddenFill>
-            </a:ext>
-            <a:ext uri="{91240B29-F687-4F45-9708-019B960494DF}">
-              <a14:hiddenLine xmlns:a14="http://schemas.microsoft.com/office/drawing/2010/main" w="9525">
-                <a:solidFill>
-                  <a:srgbClr val="000000"/>
-                </a:solidFill>
-                <a:miter lim="800000"/>
-                <a:headEnd/>
-                <a:tailEnd/>
-              </a14:hiddenLine>
-            </a:ext>
-          </a:extLst>
-        </p:spPr>
-      </p:pic>
-      <p:sp>
-        <p:nvSpPr>
-          <p:cNvPr id="43" name="직사각형 42"/>
-          <p:cNvSpPr/>
-          <p:nvPr/>
-        </p:nvSpPr>
-        <p:spPr>
-          <a:xfrm>
-            <a:off x="2982705" y="2438071"/>
-            <a:ext cx="1129814" cy="747655"/>
-          </a:xfrm>
-          <a:prstGeom prst="rect">
-            <a:avLst/>
-          </a:prstGeom>
-          <a:solidFill>
-            <a:schemeClr val="bg1"/>
-          </a:solidFill>
-          <a:ln>
-            <a:solidFill>
-              <a:schemeClr val="tx1"/>
-            </a:solidFill>
-          </a:ln>
-        </p:spPr>
-        <p:style>
-          <a:lnRef idx="2">
-            <a:schemeClr val="accent1">
-              <a:shade val="50000"/>
-            </a:schemeClr>
-          </a:lnRef>
-          <a:fillRef idx="1">
-            <a:schemeClr val="accent1"/>
-          </a:fillRef>
-          <a:effectRef idx="0">
-            <a:schemeClr val="accent1"/>
-          </a:effectRef>
-          <a:fontRef idx="minor">
-            <a:schemeClr val="lt1"/>
-          </a:fontRef>
-        </p:style>
-        <p:txBody>
-          <a:bodyPr rtlCol="0" anchor="ctr"/>
-          <a:lstStyle/>
-          <a:p>
-            <a:pPr algn="ctr"/>
-            <a:endParaRPr lang="en-US" altLang="ko-KR" dirty="0" smtClean="0">
-              <a:solidFill>
-                <a:schemeClr val="tx1"/>
-              </a:solidFill>
-            </a:endParaRPr>
-          </a:p>
-        </p:txBody>
-      </p:sp>
-      <p:sp>
-        <p:nvSpPr>
-          <p:cNvPr id="44" name="직사각형 43"/>
-          <p:cNvSpPr/>
-          <p:nvPr/>
-        </p:nvSpPr>
-        <p:spPr>
-          <a:xfrm>
-            <a:off x="4206841" y="2438071"/>
-            <a:ext cx="1129814" cy="747655"/>
-          </a:xfrm>
-          <a:prstGeom prst="rect">
-            <a:avLst/>
-          </a:prstGeom>
-          <a:solidFill>
-            <a:schemeClr val="bg1"/>
-          </a:solidFill>
-          <a:ln>
-            <a:solidFill>
-              <a:schemeClr val="tx1"/>
-            </a:solidFill>
-          </a:ln>
-        </p:spPr>
-        <p:style>
-          <a:lnRef idx="2">
-            <a:schemeClr val="accent1">
-              <a:shade val="50000"/>
-            </a:schemeClr>
-          </a:lnRef>
-          <a:fillRef idx="1">
-            <a:schemeClr val="accent1"/>
-          </a:fillRef>
-          <a:effectRef idx="0">
-            <a:schemeClr val="accent1"/>
-          </a:effectRef>
-          <a:fontRef idx="minor">
-            <a:schemeClr val="lt1"/>
-          </a:fontRef>
-        </p:style>
-        <p:txBody>
-          <a:bodyPr rtlCol="0" anchor="ctr"/>
-          <a:lstStyle/>
-          <a:p>
-            <a:pPr algn="ctr"/>
-            <a:endParaRPr lang="en-US" altLang="ko-KR" dirty="0" smtClean="0">
-              <a:solidFill>
-                <a:schemeClr val="tx1"/>
-              </a:solidFill>
-            </a:endParaRPr>
-          </a:p>
-        </p:txBody>
-      </p:sp>
-      <p:sp>
-        <p:nvSpPr>
-          <p:cNvPr id="45" name="직사각형 44"/>
-          <p:cNvSpPr/>
-          <p:nvPr/>
-        </p:nvSpPr>
-        <p:spPr>
-          <a:xfrm>
-            <a:off x="5480671" y="2438071"/>
-            <a:ext cx="1129814" cy="747655"/>
-          </a:xfrm>
-          <a:prstGeom prst="rect">
-            <a:avLst/>
-          </a:prstGeom>
-          <a:solidFill>
-            <a:schemeClr val="bg1"/>
-          </a:solidFill>
-          <a:ln>
-            <a:solidFill>
-              <a:schemeClr val="tx1"/>
-            </a:solidFill>
-          </a:ln>
-        </p:spPr>
-        <p:style>
-          <a:lnRef idx="2">
-            <a:schemeClr val="accent1">
-              <a:shade val="50000"/>
-            </a:schemeClr>
-          </a:lnRef>
-          <a:fillRef idx="1">
-            <a:schemeClr val="accent1"/>
-          </a:fillRef>
-          <a:effectRef idx="0">
-            <a:schemeClr val="accent1"/>
-          </a:effectRef>
-          <a:fontRef idx="minor">
-            <a:schemeClr val="lt1"/>
-          </a:fontRef>
-        </p:style>
-        <p:txBody>
-          <a:bodyPr rtlCol="0" anchor="ctr"/>
-          <a:lstStyle/>
-          <a:p>
-            <a:pPr algn="ctr"/>
-            <a:endParaRPr lang="en-US" altLang="ko-KR" dirty="0" smtClean="0">
-              <a:solidFill>
-                <a:schemeClr val="tx1"/>
-              </a:solidFill>
-            </a:endParaRPr>
-          </a:p>
-        </p:txBody>
-      </p:sp>
-      <p:sp>
-        <p:nvSpPr>
-          <p:cNvPr id="46" name="직사각형 45"/>
-          <p:cNvSpPr/>
-          <p:nvPr/>
-        </p:nvSpPr>
-        <p:spPr>
-          <a:xfrm>
-            <a:off x="6709014" y="2447124"/>
-            <a:ext cx="1129814" cy="747655"/>
-          </a:xfrm>
-          <a:prstGeom prst="rect">
-            <a:avLst/>
-          </a:prstGeom>
-          <a:solidFill>
-            <a:schemeClr val="bg1"/>
-          </a:solidFill>
-          <a:ln>
-            <a:solidFill>
-              <a:schemeClr val="tx1"/>
-            </a:solidFill>
-          </a:ln>
-        </p:spPr>
-        <p:style>
-          <a:lnRef idx="2">
-            <a:schemeClr val="accent1">
-              <a:shade val="50000"/>
-            </a:schemeClr>
-          </a:lnRef>
-          <a:fillRef idx="1">
-            <a:schemeClr val="accent1"/>
-          </a:fillRef>
-          <a:effectRef idx="0">
-            <a:schemeClr val="accent1"/>
-          </a:effectRef>
-          <a:fontRef idx="minor">
-            <a:schemeClr val="lt1"/>
-          </a:fontRef>
-        </p:style>
-        <p:txBody>
-          <a:bodyPr rtlCol="0" anchor="ctr"/>
-          <a:lstStyle/>
-          <a:p>
-            <a:pPr algn="ctr"/>
-            <a:endParaRPr lang="en-US" altLang="ko-KR" dirty="0" smtClean="0">
-              <a:solidFill>
-                <a:schemeClr val="tx1"/>
-              </a:solidFill>
-            </a:endParaRPr>
-          </a:p>
-        </p:txBody>
-      </p:sp>
-      <p:pic>
-        <p:nvPicPr>
-          <p:cNvPr id="47" name="그림 46"/>
-          <p:cNvPicPr>
-            <a:picLocks noChangeAspect="1"/>
-          </p:cNvPicPr>
-          <p:nvPr/>
-        </p:nvPicPr>
-        <p:blipFill>
-          <a:blip r:embed="rId6" cstate="print">
-            <a:extLst>
-              <a:ext uri="{28A0092B-C50C-407E-A947-70E740481C1C}">
-                <a14:useLocalDpi xmlns:a14="http://schemas.microsoft.com/office/drawing/2010/main" val="0"/>
-              </a:ext>
-            </a:extLst>
-          </a:blip>
-          <a:stretch>
-            <a:fillRect/>
-          </a:stretch>
-        </p:blipFill>
-        <p:spPr>
-          <a:xfrm>
-            <a:off x="3230317" y="2503332"/>
-            <a:ext cx="648744" cy="322357"/>
-          </a:xfrm>
-          <a:prstGeom prst="rect">
-            <a:avLst/>
-          </a:prstGeom>
-        </p:spPr>
-      </p:pic>
-      <p:pic>
-        <p:nvPicPr>
-          <p:cNvPr id="48" name="그림 47"/>
-          <p:cNvPicPr>
-            <a:picLocks noChangeAspect="1"/>
-          </p:cNvPicPr>
-          <p:nvPr/>
-        </p:nvPicPr>
-        <p:blipFill>
-          <a:blip r:embed="rId6" cstate="print">
-            <a:extLst>
-              <a:ext uri="{28A0092B-C50C-407E-A947-70E740481C1C}">
-                <a14:useLocalDpi xmlns:a14="http://schemas.microsoft.com/office/drawing/2010/main" val="0"/>
-              </a:ext>
-            </a:extLst>
-          </a:blip>
-          <a:stretch>
-            <a:fillRect/>
-          </a:stretch>
-        </p:blipFill>
-        <p:spPr>
-          <a:xfrm>
-            <a:off x="4432582" y="2501380"/>
-            <a:ext cx="648744" cy="322357"/>
-          </a:xfrm>
-          <a:prstGeom prst="rect">
-            <a:avLst/>
-          </a:prstGeom>
-        </p:spPr>
-      </p:pic>
-      <p:pic>
-        <p:nvPicPr>
-          <p:cNvPr id="49" name="그림 48"/>
-          <p:cNvPicPr>
-            <a:picLocks noChangeAspect="1"/>
-          </p:cNvPicPr>
-          <p:nvPr/>
-        </p:nvPicPr>
-        <p:blipFill>
-          <a:blip r:embed="rId6" cstate="print">
-            <a:extLst>
-              <a:ext uri="{28A0092B-C50C-407E-A947-70E740481C1C}">
-                <a14:useLocalDpi xmlns:a14="http://schemas.microsoft.com/office/drawing/2010/main" val="0"/>
-              </a:ext>
-            </a:extLst>
-          </a:blip>
-          <a:stretch>
-            <a:fillRect/>
-          </a:stretch>
-        </p:blipFill>
-        <p:spPr>
-          <a:xfrm>
-            <a:off x="5733465" y="2511152"/>
-            <a:ext cx="648744" cy="322357"/>
-          </a:xfrm>
-          <a:prstGeom prst="rect">
-            <a:avLst/>
-          </a:prstGeom>
-        </p:spPr>
-      </p:pic>
-      <p:pic>
-        <p:nvPicPr>
-          <p:cNvPr id="50" name="그림 49"/>
-          <p:cNvPicPr>
-            <a:picLocks noChangeAspect="1"/>
-          </p:cNvPicPr>
-          <p:nvPr/>
-        </p:nvPicPr>
-        <p:blipFill>
-          <a:blip r:embed="rId6" cstate="print">
-            <a:extLst>
-              <a:ext uri="{28A0092B-C50C-407E-A947-70E740481C1C}">
-                <a14:useLocalDpi xmlns:a14="http://schemas.microsoft.com/office/drawing/2010/main" val="0"/>
-              </a:ext>
-            </a:extLst>
-          </a:blip>
-          <a:stretch>
-            <a:fillRect/>
-          </a:stretch>
-        </p:blipFill>
-        <p:spPr>
-          <a:xfrm>
-            <a:off x="6962607" y="2491953"/>
-            <a:ext cx="648744" cy="322357"/>
-          </a:xfrm>
-          <a:prstGeom prst="rect">
-            <a:avLst/>
-          </a:prstGeom>
-        </p:spPr>
-      </p:pic>
-      <p:graphicFrame>
-        <p:nvGraphicFramePr>
-          <p:cNvPr id="31" name="표 30"/>
-          <p:cNvGraphicFramePr>
-            <a:graphicFrameLocks noGrp="1"/>
-          </p:cNvGraphicFramePr>
-          <p:nvPr>
-            <p:extLst/>
-          </p:nvPr>
-        </p:nvGraphicFramePr>
-        <p:xfrm>
-          <a:off x="3041453" y="2825993"/>
-          <a:ext cx="1048531" cy="322606"/>
-        </p:xfrm>
-        <a:graphic>
-          <a:graphicData uri="http://schemas.openxmlformats.org/drawingml/2006/table">
-            <a:tbl>
-              <a:tblPr firstRow="1" bandRow="1">
-                <a:tableStyleId>{F5AB1C69-6EDB-4FF4-983F-18BD219EF322}</a:tableStyleId>
-              </a:tblPr>
-              <a:tblGrid>
-                <a:gridCol w="1048531">
-                  <a:extLst>
-                    <a:ext uri="{9D8B030D-6E8A-4147-A177-3AD203B41FA5}">
-                      <a16:colId xmlns:a16="http://schemas.microsoft.com/office/drawing/2014/main" val="2276097553"/>
-                    </a:ext>
-                  </a:extLst>
-                </a:gridCol>
-              </a:tblGrid>
-              <a:tr h="322606">
-                <a:tc>
-                  <a:txBody>
-                    <a:bodyPr/>
-                    <a:lstStyle/>
-                    <a:p>
-                      <a:pPr algn="ctr" latinLnBrk="1"/>
-                      <a:r>
-                        <a:rPr lang="en-US" altLang="ko-KR" sz="1000" dirty="0" err="1" smtClean="0"/>
-                        <a:t>Auth</a:t>
-                      </a:r>
-                      <a:r>
-                        <a:rPr lang="en-US" altLang="ko-KR" sz="1000" dirty="0" smtClean="0"/>
-                        <a:t> daemon</a:t>
-                      </a:r>
-                      <a:endParaRPr lang="ko-KR" altLang="en-US" sz="1000" dirty="0"/>
-                    </a:p>
-                  </a:txBody>
-                  <a:tcPr/>
-                </a:tc>
-                <a:extLst>
-                  <a:ext uri="{0D108BD9-81ED-4DB2-BD59-A6C34878D82A}">
-                    <a16:rowId xmlns:a16="http://schemas.microsoft.com/office/drawing/2014/main" val="2854074796"/>
-                  </a:ext>
-                </a:extLst>
-              </a:tr>
-            </a:tbl>
-          </a:graphicData>
-        </a:graphic>
-      </p:graphicFrame>
-      <p:graphicFrame>
-        <p:nvGraphicFramePr>
-          <p:cNvPr id="34" name="표 33"/>
-          <p:cNvGraphicFramePr>
-            <a:graphicFrameLocks noGrp="1"/>
-          </p:cNvGraphicFramePr>
-          <p:nvPr>
-            <p:extLst/>
-          </p:nvPr>
-        </p:nvGraphicFramePr>
-        <p:xfrm>
-          <a:off x="5622590" y="2838666"/>
-          <a:ext cx="894858" cy="278315"/>
-        </p:xfrm>
-        <a:graphic>
-          <a:graphicData uri="http://schemas.openxmlformats.org/drawingml/2006/table">
-            <a:tbl>
-              <a:tblPr firstRow="1" bandRow="1">
-                <a:tableStyleId>{F5AB1C69-6EDB-4FF4-983F-18BD219EF322}</a:tableStyleId>
-              </a:tblPr>
-              <a:tblGrid>
-                <a:gridCol w="894858">
-                  <a:extLst>
-                    <a:ext uri="{9D8B030D-6E8A-4147-A177-3AD203B41FA5}">
-                      <a16:colId xmlns:a16="http://schemas.microsoft.com/office/drawing/2014/main" val="2276097553"/>
-                    </a:ext>
-                  </a:extLst>
-                </a:gridCol>
-              </a:tblGrid>
-              <a:tr h="278315">
-                <a:tc>
-                  <a:txBody>
-                    <a:bodyPr/>
-                    <a:lstStyle/>
-                    <a:p>
-                      <a:pPr algn="ctr" latinLnBrk="1"/>
-                      <a:r>
-                        <a:rPr lang="en-US" altLang="ko-KR" sz="1200" dirty="0" err="1" smtClean="0"/>
-                        <a:t>Config</a:t>
-                      </a:r>
-                      <a:endParaRPr lang="ko-KR" altLang="en-US" sz="1200" dirty="0"/>
-                    </a:p>
-                  </a:txBody>
-                  <a:tcPr/>
-                </a:tc>
-                <a:extLst>
-                  <a:ext uri="{0D108BD9-81ED-4DB2-BD59-A6C34878D82A}">
-                    <a16:rowId xmlns:a16="http://schemas.microsoft.com/office/drawing/2014/main" val="2854074796"/>
-                  </a:ext>
-                </a:extLst>
-              </a:tr>
-            </a:tbl>
-          </a:graphicData>
-        </a:graphic>
-      </p:graphicFrame>
-      <p:graphicFrame>
-        <p:nvGraphicFramePr>
-          <p:cNvPr id="21" name="표 20"/>
-          <p:cNvGraphicFramePr>
-            <a:graphicFrameLocks noGrp="1"/>
-          </p:cNvGraphicFramePr>
-          <p:nvPr>
-            <p:extLst/>
-          </p:nvPr>
-        </p:nvGraphicFramePr>
-        <p:xfrm>
-          <a:off x="4315271" y="2819271"/>
-          <a:ext cx="929307" cy="322606"/>
-        </p:xfrm>
-        <a:graphic>
-          <a:graphicData uri="http://schemas.openxmlformats.org/drawingml/2006/table">
-            <a:tbl>
-              <a:tblPr firstRow="1" bandRow="1">
-                <a:tableStyleId>{F5AB1C69-6EDB-4FF4-983F-18BD219EF322}</a:tableStyleId>
-              </a:tblPr>
-              <a:tblGrid>
-                <a:gridCol w="929307">
-                  <a:extLst>
-                    <a:ext uri="{9D8B030D-6E8A-4147-A177-3AD203B41FA5}">
-                      <a16:colId xmlns:a16="http://schemas.microsoft.com/office/drawing/2014/main" val="2276097553"/>
-                    </a:ext>
-                  </a:extLst>
-                </a:gridCol>
-              </a:tblGrid>
-              <a:tr h="322606">
-                <a:tc>
-                  <a:txBody>
-                    <a:bodyPr/>
-                    <a:lstStyle/>
-                    <a:p>
-                      <a:pPr algn="ctr" latinLnBrk="1"/>
-                      <a:r>
-                        <a:rPr lang="en-US" altLang="ko-KR" sz="1050" dirty="0" smtClean="0"/>
-                        <a:t>Application</a:t>
-                      </a:r>
-                      <a:endParaRPr lang="ko-KR" altLang="en-US" sz="1050" dirty="0"/>
-                    </a:p>
-                  </a:txBody>
-                  <a:tcPr/>
-                </a:tc>
-                <a:extLst>
-                  <a:ext uri="{0D108BD9-81ED-4DB2-BD59-A6C34878D82A}">
-                    <a16:rowId xmlns:a16="http://schemas.microsoft.com/office/drawing/2014/main" val="2854074796"/>
-                  </a:ext>
-                </a:extLst>
-              </a:tr>
-            </a:tbl>
-          </a:graphicData>
-        </a:graphic>
-      </p:graphicFrame>
-      <p:graphicFrame>
-        <p:nvGraphicFramePr>
-          <p:cNvPr id="28" name="표 27"/>
-          <p:cNvGraphicFramePr>
-            <a:graphicFrameLocks noGrp="1"/>
-          </p:cNvGraphicFramePr>
-          <p:nvPr>
-            <p:extLst/>
-          </p:nvPr>
-        </p:nvGraphicFramePr>
-        <p:xfrm>
-          <a:off x="6872332" y="2828324"/>
-          <a:ext cx="849490" cy="322606"/>
-        </p:xfrm>
-        <a:graphic>
-          <a:graphicData uri="http://schemas.openxmlformats.org/drawingml/2006/table">
-            <a:tbl>
-              <a:tblPr firstRow="1" bandRow="1">
-                <a:tableStyleId>{F5AB1C69-6EDB-4FF4-983F-18BD219EF322}</a:tableStyleId>
-              </a:tblPr>
-              <a:tblGrid>
-                <a:gridCol w="849490">
-                  <a:extLst>
-                    <a:ext uri="{9D8B030D-6E8A-4147-A177-3AD203B41FA5}">
-                      <a16:colId xmlns:a16="http://schemas.microsoft.com/office/drawing/2014/main" val="2276097553"/>
-                    </a:ext>
-                  </a:extLst>
-                </a:gridCol>
-              </a:tblGrid>
-              <a:tr h="322606">
-                <a:tc>
-                  <a:txBody>
-                    <a:bodyPr/>
-                    <a:lstStyle/>
-                    <a:p>
-                      <a:pPr algn="ctr" latinLnBrk="1"/>
-                      <a:r>
-                        <a:rPr lang="en-US" altLang="ko-KR" sz="1200" dirty="0" smtClean="0"/>
-                        <a:t>Batch</a:t>
-                      </a:r>
-                      <a:endParaRPr lang="ko-KR" altLang="en-US" sz="1200" dirty="0"/>
-                    </a:p>
-                  </a:txBody>
-                  <a:tcPr/>
-                </a:tc>
-                <a:extLst>
-                  <a:ext uri="{0D108BD9-81ED-4DB2-BD59-A6C34878D82A}">
-                    <a16:rowId xmlns:a16="http://schemas.microsoft.com/office/drawing/2014/main" val="2854074796"/>
-                  </a:ext>
-                </a:extLst>
-              </a:tr>
-            </a:tbl>
-          </a:graphicData>
-        </a:graphic>
-      </p:graphicFrame>
-      <p:sp>
-        <p:nvSpPr>
-          <p:cNvPr id="2" name="모서리가 둥근 직사각형 1"/>
-          <p:cNvSpPr/>
-          <p:nvPr/>
-        </p:nvSpPr>
-        <p:spPr>
-          <a:xfrm>
-            <a:off x="2906853" y="1916832"/>
-            <a:ext cx="5043433" cy="1359008"/>
-          </a:xfrm>
-          <a:prstGeom prst="roundRect">
-            <a:avLst/>
-          </a:prstGeom>
-          <a:solidFill>
-            <a:schemeClr val="accent5">
-              <a:lumMod val="60000"/>
-              <a:lumOff val="40000"/>
-              <a:alpha val="41000"/>
-            </a:schemeClr>
-          </a:solidFill>
-        </p:spPr>
-        <p:style>
-          <a:lnRef idx="2">
-            <a:schemeClr val="accent1">
-              <a:shade val="50000"/>
-            </a:schemeClr>
-          </a:lnRef>
-          <a:fillRef idx="1">
-            <a:schemeClr val="accent1"/>
-          </a:fillRef>
-          <a:effectRef idx="0">
-            <a:schemeClr val="accent1"/>
-          </a:effectRef>
-          <a:fontRef idx="minor">
-            <a:schemeClr val="lt1"/>
-          </a:fontRef>
-        </p:style>
-        <p:txBody>
-          <a:bodyPr rtlCol="0" anchor="ctr"/>
-          <a:lstStyle/>
-          <a:p>
-            <a:pPr algn="ctr"/>
-            <a:endParaRPr lang="ko-KR" altLang="en-US"/>
-          </a:p>
-        </p:txBody>
-      </p:sp>
-      <p:sp>
-        <p:nvSpPr>
-          <p:cNvPr id="51" name="직사각형 50"/>
-          <p:cNvSpPr/>
-          <p:nvPr/>
-        </p:nvSpPr>
-        <p:spPr>
-          <a:xfrm>
-            <a:off x="4660526" y="1933663"/>
-            <a:ext cx="1756250" cy="307777"/>
-          </a:xfrm>
-          <a:prstGeom prst="rect">
-            <a:avLst/>
-          </a:prstGeom>
-        </p:spPr>
-        <p:txBody>
-          <a:bodyPr wrap="none">
-            <a:spAutoFit/>
-          </a:bodyPr>
-          <a:lstStyle/>
-          <a:p>
-            <a:r>
-              <a:rPr lang="en-US" altLang="ko-KR" sz="1400" b="1" dirty="0" smtClean="0"/>
-              <a:t>Spring Cloud Base</a:t>
-            </a:r>
-            <a:endParaRPr lang="ko-KR" altLang="en-US" sz="1400" b="1" dirty="0"/>
-          </a:p>
-        </p:txBody>
-      </p:sp>
-    </p:spTree>
-    <p:extLst>
-      <p:ext uri="{BB962C8B-B14F-4D97-AF65-F5344CB8AC3E}">
-        <p14:creationId xmlns:p14="http://schemas.microsoft.com/office/powerpoint/2010/main" val="3699342195"/>
       </p:ext>
     </p:extLst>
   </p:cSld>
